--- a/InetnationalStudents/Docs/Презентация.pptx
+++ b/InetnationalStudents/Docs/Презентация.pptx
@@ -7,10 +7,13 @@
   <p:sldIdLst>
     <p:sldId id="256" r:id="rId2"/>
     <p:sldId id="261" r:id="rId3"/>
-    <p:sldId id="258" r:id="rId4"/>
-    <p:sldId id="259" r:id="rId5"/>
-    <p:sldId id="260" r:id="rId6"/>
-    <p:sldId id="257" r:id="rId7"/>
+    <p:sldId id="264" r:id="rId4"/>
+    <p:sldId id="258" r:id="rId5"/>
+    <p:sldId id="259" r:id="rId6"/>
+    <p:sldId id="260" r:id="rId7"/>
+    <p:sldId id="262" r:id="rId8"/>
+    <p:sldId id="263" r:id="rId9"/>
+    <p:sldId id="257" r:id="rId10"/>
   </p:sldIdLst>
   <p:sldSz cx="12192000" cy="6858000"/>
   <p:notesSz cx="6858000" cy="9144000"/>
@@ -303,7 +306,7 @@
           <a:p>
             <a:fld id="{4AAD347D-5ACD-4C99-B74B-A9C85AD731AF}" type="datetimeFigureOut">
               <a:rPr lang="en-US" dirty="0"/>
-              <a:t>12/26/2013</a:t>
+              <a:t>4/23/2015</a:t>
             </a:fld>
             <a:endParaRPr lang="en-US" dirty="0"/>
           </a:p>
@@ -573,7 +576,7 @@
           <a:p>
             <a:fld id="{4509A250-FF31-4206-8172-F9D3106AACB1}" type="datetimeFigureOut">
               <a:rPr lang="en-US" dirty="0"/>
-              <a:t>12/26/2013</a:t>
+              <a:t>4/23/2015</a:t>
             </a:fld>
             <a:endParaRPr lang="en-US" dirty="0"/>
           </a:p>
@@ -762,7 +765,7 @@
           <a:p>
             <a:fld id="{4509A250-FF31-4206-8172-F9D3106AACB1}" type="datetimeFigureOut">
               <a:rPr lang="en-US" dirty="0"/>
-              <a:t>12/26/2013</a:t>
+              <a:t>4/23/2015</a:t>
             </a:fld>
             <a:endParaRPr lang="en-US" dirty="0"/>
           </a:p>
@@ -1028,7 +1031,7 @@
           <a:p>
             <a:fld id="{4509A250-FF31-4206-8172-F9D3106AACB1}" type="datetimeFigureOut">
               <a:rPr lang="en-US" dirty="0"/>
-              <a:t>12/26/2013</a:t>
+              <a:t>4/23/2015</a:t>
             </a:fld>
             <a:endParaRPr lang="en-US" dirty="0"/>
           </a:p>
@@ -1350,7 +1353,7 @@
           <a:p>
             <a:fld id="{4509A250-FF31-4206-8172-F9D3106AACB1}" type="datetimeFigureOut">
               <a:rPr lang="en-US" dirty="0"/>
-              <a:t>12/26/2013</a:t>
+              <a:t>4/23/2015</a:t>
             </a:fld>
             <a:endParaRPr lang="en-US" dirty="0"/>
           </a:p>
@@ -1964,7 +1967,7 @@
           <a:p>
             <a:fld id="{4509A250-FF31-4206-8172-F9D3106AACB1}" type="datetimeFigureOut">
               <a:rPr lang="en-US" dirty="0"/>
-              <a:t>12/26/2013</a:t>
+              <a:t>4/23/2015</a:t>
             </a:fld>
             <a:endParaRPr lang="en-US" dirty="0"/>
           </a:p>
@@ -2806,7 +2809,7 @@
           <a:p>
             <a:fld id="{4509A250-FF31-4206-8172-F9D3106AACB1}" type="datetimeFigureOut">
               <a:rPr lang="en-US" dirty="0"/>
-              <a:t>12/26/2013</a:t>
+              <a:t>4/23/2015</a:t>
             </a:fld>
             <a:endParaRPr lang="en-US" dirty="0"/>
           </a:p>
@@ -2971,7 +2974,7 @@
           <a:p>
             <a:fld id="{4509A250-FF31-4206-8172-F9D3106AACB1}" type="datetimeFigureOut">
               <a:rPr lang="en-US" dirty="0"/>
-              <a:t>12/26/2013</a:t>
+              <a:t>4/23/2015</a:t>
             </a:fld>
             <a:endParaRPr lang="en-US" dirty="0"/>
           </a:p>
@@ -3146,7 +3149,7 @@
           <a:p>
             <a:fld id="{4509A250-FF31-4206-8172-F9D3106AACB1}" type="datetimeFigureOut">
               <a:rPr lang="en-US" dirty="0"/>
-              <a:t>12/26/2013</a:t>
+              <a:t>4/23/2015</a:t>
             </a:fld>
             <a:endParaRPr lang="en-US" dirty="0"/>
           </a:p>
@@ -3311,7 +3314,7 @@
           <a:p>
             <a:fld id="{9796027F-7875-4030-9381-8BD8C4F21935}" type="datetimeFigureOut">
               <a:rPr lang="en-US" dirty="0"/>
-              <a:t>12/26/2013</a:t>
+              <a:t>4/23/2015</a:t>
             </a:fld>
             <a:endParaRPr lang="en-US" dirty="0"/>
           </a:p>
@@ -3553,7 +3556,7 @@
           <a:p>
             <a:fld id="{9796027F-7875-4030-9381-8BD8C4F21935}" type="datetimeFigureOut">
               <a:rPr lang="en-US" dirty="0"/>
-              <a:t>12/26/2013</a:t>
+              <a:t>4/23/2015</a:t>
             </a:fld>
             <a:endParaRPr lang="en-US" dirty="0"/>
           </a:p>
@@ -3840,7 +3843,7 @@
           <a:p>
             <a:fld id="{9796027F-7875-4030-9381-8BD8C4F21935}" type="datetimeFigureOut">
               <a:rPr lang="en-US" dirty="0"/>
-              <a:t>12/26/2013</a:t>
+              <a:t>4/23/2015</a:t>
             </a:fld>
             <a:endParaRPr lang="en-US" dirty="0"/>
           </a:p>
@@ -4279,7 +4282,7 @@
           <a:p>
             <a:fld id="{9796027F-7875-4030-9381-8BD8C4F21935}" type="datetimeFigureOut">
               <a:rPr lang="en-US" dirty="0"/>
-              <a:t>12/26/2013</a:t>
+              <a:t>4/23/2015</a:t>
             </a:fld>
             <a:endParaRPr lang="en-US" dirty="0"/>
           </a:p>
@@ -4392,7 +4395,7 @@
           <a:p>
             <a:fld id="{4509A250-FF31-4206-8172-F9D3106AACB1}" type="datetimeFigureOut">
               <a:rPr lang="en-US" dirty="0"/>
-              <a:t>12/26/2013</a:t>
+              <a:t>4/23/2015</a:t>
             </a:fld>
             <a:endParaRPr lang="en-US" dirty="0"/>
           </a:p>
@@ -4482,7 +4485,7 @@
           <a:p>
             <a:fld id="{4509A250-FF31-4206-8172-F9D3106AACB1}" type="datetimeFigureOut">
               <a:rPr lang="en-US" dirty="0"/>
-              <a:t>12/26/2013</a:t>
+              <a:t>4/23/2015</a:t>
             </a:fld>
             <a:endParaRPr lang="en-US" dirty="0"/>
           </a:p>
@@ -4756,7 +4759,7 @@
           <a:p>
             <a:fld id="{4509A250-FF31-4206-8172-F9D3106AACB1}" type="datetimeFigureOut">
               <a:rPr lang="en-US" dirty="0"/>
-              <a:t>12/26/2013</a:t>
+              <a:t>4/23/2015</a:t>
             </a:fld>
             <a:endParaRPr lang="en-US" dirty="0"/>
           </a:p>
@@ -5026,7 +5029,7 @@
           <a:p>
             <a:fld id="{4509A250-FF31-4206-8172-F9D3106AACB1}" type="datetimeFigureOut">
               <a:rPr lang="en-US" dirty="0"/>
-              <a:t>12/26/2013</a:t>
+              <a:t>4/23/2015</a:t>
             </a:fld>
             <a:endParaRPr lang="en-US" dirty="0"/>
           </a:p>
@@ -5444,7 +5447,7 @@
           <a:p>
             <a:fld id="{4AAD347D-5ACD-4C99-B74B-A9C85AD731AF}" type="datetimeFigureOut">
               <a:rPr lang="en-US" dirty="0"/>
-              <a:t>12/26/2013</a:t>
+              <a:t>4/23/2015</a:t>
             </a:fld>
             <a:endParaRPr lang="en-US" dirty="0"/>
           </a:p>
@@ -5977,7 +5980,7 @@
         <p:spPr>
           <a:xfrm>
             <a:off x="5431712" y="3056400"/>
-            <a:ext cx="7354956" cy="3416320"/>
+            <a:ext cx="7354956" cy="2862322"/>
           </a:xfrm>
           <a:prstGeom prst="rect">
             <a:avLst/>
@@ -5991,50 +5994,22 @@
           <a:lstStyle/>
           <a:p>
             <a:r>
+              <a:rPr lang="ru-RU" dirty="0" smtClean="0"/>
+              <a:t>Дипломная </a:t>
+            </a:r>
+            <a:r>
               <a:rPr lang="ru-RU" dirty="0"/>
-              <a:t>Курсовая работа</a:t>
-            </a:r>
-          </a:p>
-          <a:p>
+              <a:t>работа</a:t>
+            </a:r>
+          </a:p>
+          <a:p>
+            <a:r>
+              <a:rPr lang="ru-RU" dirty="0" smtClean="0"/>
+              <a:t>Котова </a:t>
+            </a:r>
             <a:r>
               <a:rPr lang="ru-RU" dirty="0"/>
-              <a:t>по технологии </a:t>
-            </a:r>
-            <a:r>
-              <a:rPr lang="en-US" dirty="0"/>
-              <a:t>.</a:t>
-            </a:r>
-            <a:r>
-              <a:rPr lang="en-US" dirty="0" smtClean="0"/>
-              <a:t>NET</a:t>
-            </a:r>
-            <a:endParaRPr lang="ru-RU" dirty="0" smtClean="0"/>
-          </a:p>
-          <a:p>
-            <a:endParaRPr lang="ru-RU" dirty="0"/>
-          </a:p>
-          <a:p>
-            <a:r>
-              <a:rPr lang="ru-RU" dirty="0"/>
-              <a:t>студента</a:t>
-            </a:r>
-          </a:p>
-          <a:p>
-            <a:r>
-              <a:rPr lang="ru-RU" dirty="0"/>
-              <a:t>Физико-математического факультета</a:t>
-            </a:r>
-          </a:p>
-          <a:p>
-            <a:r>
-              <a:rPr lang="ru-RU" dirty="0"/>
-              <a:t>4 курса группы “В-Г”</a:t>
-            </a:r>
-          </a:p>
-          <a:p>
-            <a:r>
-              <a:rPr lang="ru-RU" dirty="0"/>
-              <a:t>Котова Виталия </a:t>
+              <a:t>Виталия </a:t>
             </a:r>
             <a:r>
               <a:rPr lang="ru-RU" dirty="0" smtClean="0"/>
@@ -6047,19 +6022,46 @@
           <a:p>
             <a:r>
               <a:rPr lang="ru-RU" dirty="0"/>
+              <a:t>П</a:t>
+            </a:r>
+            <a:r>
+              <a:rPr lang="ru-RU" dirty="0" smtClean="0"/>
+              <a:t>о </a:t>
+            </a:r>
+            <a:r>
+              <a:rPr lang="ru-RU" dirty="0"/>
+              <a:t>специальности</a:t>
+            </a:r>
+          </a:p>
+          <a:p>
+            <a:r>
+              <a:rPr lang="ru-RU" dirty="0"/>
+              <a:t>1-31-03-4 «Информатика</a:t>
+            </a:r>
+            <a:r>
+              <a:rPr lang="ru-RU" dirty="0" smtClean="0"/>
+              <a:t>»</a:t>
+            </a:r>
+          </a:p>
+          <a:p>
+            <a:endParaRPr lang="ru-RU" dirty="0"/>
+          </a:p>
+          <a:p>
+            <a:r>
+              <a:rPr lang="ru-RU" dirty="0"/>
               <a:t>Научный руководитель</a:t>
             </a:r>
           </a:p>
           <a:p>
             <a:r>
               <a:rPr lang="ru-RU" dirty="0"/>
-              <a:t>Старший преподаватель кафедры информатика</a:t>
+              <a:t>Доцент кафедры информатика</a:t>
             </a:r>
           </a:p>
           <a:p>
             <a:r>
               <a:rPr lang="ru-RU" dirty="0"/>
-              <a:t>Мороз Людмила Александровна</a:t>
+              <a:t>Платонов Александр Сергеевич</a:t>
             </a:r>
           </a:p>
           <a:p>
@@ -6075,15 +6077,15 @@
         </p:nvSpPr>
         <p:spPr>
           <a:xfrm>
-            <a:off x="308582" y="653738"/>
-            <a:ext cx="7659661" cy="1569660"/>
+            <a:off x="-447710" y="1044397"/>
+            <a:ext cx="10851040" cy="1569660"/>
           </a:xfrm>
           <a:prstGeom prst="rect">
             <a:avLst/>
           </a:prstGeom>
         </p:spPr>
         <p:txBody>
-          <a:bodyPr wrap="none">
+          <a:bodyPr wrap="square">
             <a:spAutoFit/>
           </a:bodyPr>
           <a:lstStyle/>
@@ -6094,36 +6096,8 @@
               </a:lnSpc>
             </a:pPr>
             <a:r>
-              <a:rPr lang="ru-RU" sz="4000" b="1" dirty="0">
-                <a:latin typeface="Times New Roman" panose="02020603050405020304" pitchFamily="18" charset="0"/>
-                <a:ea typeface="Times New Roman" panose="02020603050405020304" pitchFamily="18" charset="0"/>
-              </a:rPr>
-              <a:t>Автоматизированная система </a:t>
-            </a:r>
-            <a:endParaRPr lang="ru-RU" sz="4000" b="1" dirty="0" smtClean="0">
-              <a:latin typeface="Times New Roman" panose="02020603050405020304" pitchFamily="18" charset="0"/>
-              <a:ea typeface="Times New Roman" panose="02020603050405020304" pitchFamily="18" charset="0"/>
-            </a:endParaRPr>
-          </a:p>
-          <a:p>
-            <a:pPr indent="431800" algn="ctr">
-              <a:lnSpc>
-                <a:spcPct val="120000"/>
-              </a:lnSpc>
-            </a:pPr>
-            <a:r>
-              <a:rPr lang="ru-RU" sz="4000" b="1" dirty="0" smtClean="0">
-                <a:latin typeface="Times New Roman" panose="02020603050405020304" pitchFamily="18" charset="0"/>
-                <a:ea typeface="Times New Roman" panose="02020603050405020304" pitchFamily="18" charset="0"/>
-              </a:rPr>
-              <a:t>«</a:t>
-            </a:r>
-            <a:r>
-              <a:rPr lang="ru-RU" sz="4000" b="1" dirty="0">
-                <a:latin typeface="Times New Roman" panose="02020603050405020304" pitchFamily="18" charset="0"/>
-                <a:ea typeface="Times New Roman" panose="02020603050405020304" pitchFamily="18" charset="0"/>
-              </a:rPr>
-              <a:t>Фабрика»</a:t>
+              <a:rPr lang="ru-RU" sz="4000" b="1" dirty="0"/>
+              <a:t>Система учета студентов из числа иностранных граждан</a:t>
             </a:r>
             <a:endParaRPr lang="ru-RU" sz="2000" dirty="0">
               <a:effectLst/>
@@ -6395,139 +6369,64 @@
         </p:nvSpPr>
         <p:spPr>
           <a:xfrm>
-            <a:off x="2726029" y="1039486"/>
-            <a:ext cx="6096000" cy="4413516"/>
+            <a:off x="2635877" y="215238"/>
+            <a:ext cx="6791458" cy="6740307"/>
           </a:xfrm>
           <a:prstGeom prst="rect">
             <a:avLst/>
           </a:prstGeom>
         </p:spPr>
         <p:txBody>
-          <a:bodyPr>
+          <a:bodyPr wrap="square">
             <a:spAutoFit/>
           </a:bodyPr>
           <a:lstStyle/>
           <a:p>
-            <a:pPr indent="431800" algn="just">
-              <a:lnSpc>
-                <a:spcPct val="120000"/>
-              </a:lnSpc>
-              <a:spcAft>
-                <a:spcPts val="0"/>
-              </a:spcAft>
-            </a:pPr>
-            <a:r>
-              <a:rPr lang="ru-RU" b="1" dirty="0">
-                <a:latin typeface="Times New Roman" panose="02020603050405020304" pitchFamily="18" charset="0"/>
-                <a:ea typeface="Times New Roman" panose="02020603050405020304" pitchFamily="18" charset="0"/>
-              </a:rPr>
-              <a:t>Предметом исследования </a:t>
-            </a:r>
-            <a:r>
-              <a:rPr lang="ru-RU" dirty="0">
-                <a:latin typeface="Times New Roman" panose="02020603050405020304" pitchFamily="18" charset="0"/>
-                <a:ea typeface="Times New Roman" panose="02020603050405020304" pitchFamily="18" charset="0"/>
-              </a:rPr>
-              <a:t>является организация процесса учета производимой продукции, а также поступлений готовой продукции на склад</a:t>
-            </a:r>
-            <a:r>
-              <a:rPr lang="ru-RU" dirty="0" smtClean="0">
-                <a:latin typeface="Times New Roman" panose="02020603050405020304" pitchFamily="18" charset="0"/>
-                <a:ea typeface="Times New Roman" panose="02020603050405020304" pitchFamily="18" charset="0"/>
-              </a:rPr>
+            <a:r>
+              <a:rPr lang="ru-RU" sz="2400" b="1" dirty="0"/>
+              <a:t>Объектом исследования </a:t>
+            </a:r>
+            <a:r>
+              <a:rPr lang="ru-RU" sz="2400" dirty="0"/>
+              <a:t>является реальный экономический объект: отдел университета, который отвечает за учет студентов</a:t>
+            </a:r>
+            <a:r>
+              <a:rPr lang="ru-RU" sz="2400" dirty="0" smtClean="0"/>
               <a:t>.</a:t>
             </a:r>
-          </a:p>
-          <a:p>
-            <a:pPr indent="431800" algn="just">
-              <a:lnSpc>
-                <a:spcPct val="120000"/>
-              </a:lnSpc>
-              <a:spcAft>
-                <a:spcPts val="0"/>
-              </a:spcAft>
-            </a:pPr>
-            <a:endParaRPr lang="ru-RU" dirty="0">
-              <a:latin typeface="Times New Roman" panose="02020603050405020304" pitchFamily="18" charset="0"/>
-              <a:ea typeface="Times New Roman" panose="02020603050405020304" pitchFamily="18" charset="0"/>
-            </a:endParaRPr>
-          </a:p>
-          <a:p>
-            <a:pPr indent="431800" algn="just">
-              <a:lnSpc>
-                <a:spcPct val="120000"/>
-              </a:lnSpc>
-              <a:spcAft>
-                <a:spcPts val="0"/>
-              </a:spcAft>
-            </a:pPr>
-            <a:r>
-              <a:rPr lang="ru-RU" b="1" dirty="0">
-                <a:latin typeface="Times New Roman" panose="02020603050405020304" pitchFamily="18" charset="0"/>
-                <a:ea typeface="Times New Roman" panose="02020603050405020304" pitchFamily="18" charset="0"/>
-              </a:rPr>
-              <a:t>Объектом исследования</a:t>
-            </a:r>
-            <a:r>
-              <a:rPr lang="ru-RU" sz="1600" b="1" dirty="0">
-                <a:latin typeface="Times New Roman" panose="02020603050405020304" pitchFamily="18" charset="0"/>
-                <a:ea typeface="Times New Roman" panose="02020603050405020304" pitchFamily="18" charset="0"/>
-              </a:rPr>
-              <a:t> </a:t>
-            </a:r>
-            <a:r>
-              <a:rPr lang="ru-RU" dirty="0">
-                <a:latin typeface="Times New Roman" panose="02020603050405020304" pitchFamily="18" charset="0"/>
-                <a:ea typeface="Times New Roman" panose="02020603050405020304" pitchFamily="18" charset="0"/>
-              </a:rPr>
-              <a:t>является реальный экономический объект: отдел фабрики, который отвечает за учет производимых товаров</a:t>
-            </a:r>
-            <a:r>
-              <a:rPr lang="ru-RU" dirty="0" smtClean="0">
-                <a:latin typeface="Times New Roman" panose="02020603050405020304" pitchFamily="18" charset="0"/>
-                <a:ea typeface="Times New Roman" panose="02020603050405020304" pitchFamily="18" charset="0"/>
-              </a:rPr>
+            <a:endParaRPr lang="en-US" sz="2400" dirty="0" smtClean="0"/>
+          </a:p>
+          <a:p>
+            <a:endParaRPr lang="ru-RU" sz="2400" dirty="0"/>
+          </a:p>
+          <a:p>
+            <a:r>
+              <a:rPr lang="ru-RU" sz="2400" b="1" dirty="0"/>
+              <a:t>Предметом исследования:</a:t>
+            </a:r>
+            <a:r>
+              <a:rPr lang="ru-RU" sz="2400" dirty="0"/>
+              <a:t> является организация процесса учета студентов из числа иностранных граждан, а также расчет статистических данных</a:t>
+            </a:r>
+            <a:r>
+              <a:rPr lang="ru-RU" sz="2400" dirty="0" smtClean="0"/>
               <a:t>.</a:t>
             </a:r>
-          </a:p>
-          <a:p>
-            <a:pPr indent="431800" algn="just">
-              <a:lnSpc>
-                <a:spcPct val="120000"/>
-              </a:lnSpc>
-              <a:spcAft>
-                <a:spcPts val="0"/>
-              </a:spcAft>
-            </a:pPr>
-            <a:endParaRPr lang="ru-RU" dirty="0">
-              <a:latin typeface="Times New Roman" panose="02020603050405020304" pitchFamily="18" charset="0"/>
-              <a:ea typeface="Times New Roman" panose="02020603050405020304" pitchFamily="18" charset="0"/>
-            </a:endParaRPr>
-          </a:p>
-          <a:p>
-            <a:pPr indent="431800" algn="just">
-              <a:lnSpc>
-                <a:spcPct val="120000"/>
-              </a:lnSpc>
-              <a:spcAft>
-                <a:spcPts val="0"/>
-              </a:spcAft>
-            </a:pPr>
-            <a:r>
-              <a:rPr lang="ru-RU" b="1" dirty="0">
-                <a:latin typeface="Times New Roman" panose="02020603050405020304" pitchFamily="18" charset="0"/>
-                <a:ea typeface="Times New Roman" panose="02020603050405020304" pitchFamily="18" charset="0"/>
-              </a:rPr>
+            <a:endParaRPr lang="en-US" sz="2400" dirty="0" smtClean="0"/>
+          </a:p>
+          <a:p>
+            <a:endParaRPr lang="ru-RU" sz="2400" dirty="0"/>
+          </a:p>
+          <a:p>
+            <a:r>
+              <a:rPr lang="ru-RU" sz="2400" b="1" dirty="0"/>
               <a:t>Цель исследования:</a:t>
             </a:r>
             <a:r>
-              <a:rPr lang="ru-RU" dirty="0">
-                <a:latin typeface="Times New Roman" panose="02020603050405020304" pitchFamily="18" charset="0"/>
-                <a:ea typeface="Times New Roman" panose="02020603050405020304" pitchFamily="18" charset="0"/>
-              </a:rPr>
-              <a:t> разработать автоматизированную систему для оптимизации работы фабрики. Разрабатываемый прототип будет предоставлять возможность вести учет производимой продукции и поступлений на склад фабрики готовых товаров.</a:t>
-            </a:r>
-            <a:endParaRPr lang="ru-RU" dirty="0">
+              <a:rPr lang="ru-RU" sz="2400" dirty="0"/>
+              <a:t> разработать автоматизированную систему для оптимизации учету студентов из числа иностранных граждан. Разрабатываемый прототип будет предоставлять возможность вести автоматизированный учет студентов и расчет статистических данных.</a:t>
+            </a:r>
+            <a:endParaRPr lang="ru-RU" sz="2400" dirty="0">
               <a:effectLst/>
               <a:latin typeface="Times New Roman" panose="02020603050405020304" pitchFamily="18" charset="0"/>
               <a:ea typeface="Times New Roman" panose="02020603050405020304" pitchFamily="18" charset="0"/>
@@ -6778,9 +6677,231 @@
           <a:chExt cx="0" cy="0"/>
         </a:xfrm>
       </p:grpSpPr>
+      <p:sp>
+        <p:nvSpPr>
+          <p:cNvPr id="4" name="Rectangle 3"/>
+          <p:cNvSpPr/>
+          <p:nvPr/>
+        </p:nvSpPr>
+        <p:spPr>
+          <a:xfrm>
+            <a:off x="1275008" y="1068947"/>
+            <a:ext cx="8757634" cy="4967514"/>
+          </a:xfrm>
+          <a:prstGeom prst="rect">
+            <a:avLst/>
+          </a:prstGeom>
+        </p:spPr>
+        <p:txBody>
+          <a:bodyPr wrap="square">
+            <a:spAutoFit/>
+          </a:bodyPr>
+          <a:lstStyle/>
+          <a:p>
+            <a:pPr indent="431800" algn="just">
+              <a:lnSpc>
+                <a:spcPct val="120000"/>
+              </a:lnSpc>
+              <a:spcAft>
+                <a:spcPts val="0"/>
+              </a:spcAft>
+            </a:pPr>
+            <a:r>
+              <a:rPr lang="en-US" sz="6600" dirty="0" smtClean="0">
+                <a:latin typeface="Times New Roman" panose="02020603050405020304" pitchFamily="18" charset="0"/>
+                <a:ea typeface="Times New Roman" panose="02020603050405020304" pitchFamily="18" charset="0"/>
+              </a:rPr>
+              <a:t>Java </a:t>
+            </a:r>
+            <a:r>
+              <a:rPr lang="en-US" sz="6600" dirty="0">
+                <a:latin typeface="Times New Roman" panose="02020603050405020304" pitchFamily="18" charset="0"/>
+                <a:ea typeface="Times New Roman" panose="02020603050405020304" pitchFamily="18" charset="0"/>
+              </a:rPr>
+              <a:t>REST-</a:t>
+            </a:r>
+            <a:r>
+              <a:rPr lang="ru-RU" sz="6600" dirty="0" smtClean="0">
+                <a:latin typeface="Times New Roman" panose="02020603050405020304" pitchFamily="18" charset="0"/>
+                <a:ea typeface="Times New Roman" panose="02020603050405020304" pitchFamily="18" charset="0"/>
+              </a:rPr>
+              <a:t>сервисы</a:t>
+            </a:r>
+            <a:r>
+              <a:rPr lang="en-US" sz="6600" dirty="0" smtClean="0">
+                <a:latin typeface="Times New Roman" panose="02020603050405020304" pitchFamily="18" charset="0"/>
+                <a:ea typeface="Times New Roman" panose="02020603050405020304" pitchFamily="18" charset="0"/>
+              </a:rPr>
+              <a:t> </a:t>
+            </a:r>
+            <a:r>
+              <a:rPr lang="en-US" sz="6600" dirty="0" err="1" smtClean="0">
+                <a:latin typeface="Times New Roman" panose="02020603050405020304" pitchFamily="18" charset="0"/>
+                <a:ea typeface="Times New Roman" panose="02020603050405020304" pitchFamily="18" charset="0"/>
+              </a:rPr>
+              <a:t>MySql</a:t>
+            </a:r>
+            <a:r>
+              <a:rPr lang="en-US" sz="6600" dirty="0" smtClean="0">
+                <a:latin typeface="Times New Roman" panose="02020603050405020304" pitchFamily="18" charset="0"/>
+                <a:ea typeface="Times New Roman" panose="02020603050405020304" pitchFamily="18" charset="0"/>
+              </a:rPr>
+              <a:t> </a:t>
+            </a:r>
+            <a:r>
+              <a:rPr lang="en-US" sz="6600" dirty="0" err="1">
+                <a:latin typeface="Times New Roman" panose="02020603050405020304" pitchFamily="18" charset="0"/>
+                <a:ea typeface="Times New Roman" panose="02020603050405020304" pitchFamily="18" charset="0"/>
+              </a:rPr>
+              <a:t>Intellij</a:t>
+            </a:r>
+            <a:r>
+              <a:rPr lang="en-US" sz="6600" dirty="0">
+                <a:latin typeface="Times New Roman" panose="02020603050405020304" pitchFamily="18" charset="0"/>
+                <a:ea typeface="Times New Roman" panose="02020603050405020304" pitchFamily="18" charset="0"/>
+              </a:rPr>
+              <a:t> </a:t>
+            </a:r>
+            <a:r>
+              <a:rPr lang="en-US" sz="6600" dirty="0" smtClean="0">
+                <a:latin typeface="Times New Roman" panose="02020603050405020304" pitchFamily="18" charset="0"/>
+                <a:ea typeface="Times New Roman" panose="02020603050405020304" pitchFamily="18" charset="0"/>
+              </a:rPr>
+              <a:t>Idea Hibernate </a:t>
+            </a:r>
+            <a:r>
+              <a:rPr lang="en-US" sz="6600" dirty="0" err="1" smtClean="0">
+                <a:latin typeface="Times New Roman" panose="02020603050405020304" pitchFamily="18" charset="0"/>
+                <a:ea typeface="Times New Roman" panose="02020603050405020304" pitchFamily="18" charset="0"/>
+              </a:rPr>
+              <a:t>TomCat</a:t>
+            </a:r>
+            <a:r>
+              <a:rPr lang="en-US" sz="6600" dirty="0" smtClean="0">
+                <a:latin typeface="Times New Roman" panose="02020603050405020304" pitchFamily="18" charset="0"/>
+                <a:ea typeface="Times New Roman" panose="02020603050405020304" pitchFamily="18" charset="0"/>
+              </a:rPr>
+              <a:t> Maven      AngularJS</a:t>
+            </a:r>
+            <a:endParaRPr lang="ru-RU" sz="6600" dirty="0">
+              <a:effectLst/>
+              <a:latin typeface="Times New Roman" panose="02020603050405020304" pitchFamily="18" charset="0"/>
+              <a:ea typeface="Times New Roman" panose="02020603050405020304" pitchFamily="18" charset="0"/>
+            </a:endParaRPr>
+          </a:p>
+        </p:txBody>
+      </p:sp>
+    </p:spTree>
+    <p:extLst>
+      <p:ext uri="{BB962C8B-B14F-4D97-AF65-F5344CB8AC3E}">
+        <p14:creationId xmlns:p14="http://schemas.microsoft.com/office/powerpoint/2010/main" val="1153209801"/>
+      </p:ext>
+    </p:extLst>
+  </p:cSld>
+  <p:clrMapOvr>
+    <a:masterClrMapping/>
+  </p:clrMapOvr>
+  <p:timing>
+    <p:tnLst>
+      <p:par>
+        <p:cTn id="1" dur="indefinite" restart="never" nodeType="tmRoot">
+          <p:childTnLst>
+            <p:seq concurrent="1" nextAc="seek">
+              <p:cTn id="2" dur="indefinite" nodeType="mainSeq">
+                <p:childTnLst>
+                  <p:par>
+                    <p:cTn id="3" fill="hold">
+                      <p:stCondLst>
+                        <p:cond delay="indefinite"/>
+                      </p:stCondLst>
+                      <p:childTnLst>
+                        <p:par>
+                          <p:cTn id="4" fill="hold">
+                            <p:stCondLst>
+                              <p:cond delay="0"/>
+                            </p:stCondLst>
+                            <p:childTnLst>
+                              <p:par>
+                                <p:cTn id="5" presetID="1" presetClass="entr" presetSubtype="0" fill="hold" grpId="0" nodeType="clickEffect">
+                                  <p:stCondLst>
+                                    <p:cond delay="0"/>
+                                  </p:stCondLst>
+                                  <p:childTnLst>
+                                    <p:set>
+                                      <p:cBhvr>
+                                        <p:cTn id="6" dur="1" fill="hold">
+                                          <p:stCondLst>
+                                            <p:cond delay="0"/>
+                                          </p:stCondLst>
+                                        </p:cTn>
+                                        <p:tgtEl>
+                                          <p:spTgt spid="4"/>
+                                        </p:tgtEl>
+                                        <p:attrNameLst>
+                                          <p:attrName>style.visibility</p:attrName>
+                                        </p:attrNameLst>
+                                      </p:cBhvr>
+                                      <p:to>
+                                        <p:strVal val="visible"/>
+                                      </p:to>
+                                    </p:set>
+                                  </p:childTnLst>
+                                </p:cTn>
+                              </p:par>
+                            </p:childTnLst>
+                          </p:cTn>
+                        </p:par>
+                      </p:childTnLst>
+                    </p:cTn>
+                  </p:par>
+                </p:childTnLst>
+              </p:cTn>
+              <p:prevCondLst>
+                <p:cond evt="onPrev" delay="0">
+                  <p:tgtEl>
+                    <p:sldTgt/>
+                  </p:tgtEl>
+                </p:cond>
+              </p:prevCondLst>
+              <p:nextCondLst>
+                <p:cond evt="onNext" delay="0">
+                  <p:tgtEl>
+                    <p:sldTgt/>
+                  </p:tgtEl>
+                </p:cond>
+              </p:nextCondLst>
+            </p:seq>
+          </p:childTnLst>
+        </p:cTn>
+      </p:par>
+    </p:tnLst>
+    <p:bldLst>
+      <p:bldP spid="4" grpId="0"/>
+    </p:bldLst>
+  </p:timing>
+</p:sld>
+</file>
+
+<file path=ppt/slides/slide4.xml><?xml version="1.0" encoding="utf-8"?>
+<p:sld xmlns:a="http://schemas.openxmlformats.org/drawingml/2006/main" xmlns:r="http://schemas.openxmlformats.org/officeDocument/2006/relationships" xmlns:p="http://schemas.openxmlformats.org/presentationml/2006/main">
+  <p:cSld>
+    <p:spTree>
+      <p:nvGrpSpPr>
+        <p:cNvPr id="1" name=""/>
+        <p:cNvGrpSpPr/>
+        <p:nvPr/>
+      </p:nvGrpSpPr>
+      <p:grpSpPr>
+        <a:xfrm>
+          <a:off x="0" y="0"/>
+          <a:ext cx="0" cy="0"/>
+          <a:chOff x="0" y="0"/>
+          <a:chExt cx="0" cy="0"/>
+        </a:xfrm>
+      </p:grpSpPr>
       <p:pic>
         <p:nvPicPr>
-          <p:cNvPr id="2" name="Рисунок 1"/>
+          <p:cNvPr id="3" name="Picture 2"/>
           <p:cNvPicPr>
             <a:picLocks noChangeAspect="1"/>
           </p:cNvPicPr>
@@ -6800,8 +6921,8 @@
         </p:blipFill>
         <p:spPr>
           <a:xfrm>
-            <a:off x="-185530" y="-147982"/>
-            <a:ext cx="12377530" cy="7220226"/>
+            <a:off x="0" y="1171977"/>
+            <a:ext cx="12192000" cy="4514046"/>
           </a:xfrm>
           <a:prstGeom prst="rect">
             <a:avLst/>
@@ -6821,6 +6942,384 @@
   <p:transition spd="slow">
     <p:wipe/>
   </p:transition>
+  <p:timing>
+    <p:tnLst>
+      <p:par>
+        <p:cTn id="1" dur="indefinite" restart="never" nodeType="tmRoot">
+          <p:childTnLst>
+            <p:seq concurrent="1" nextAc="seek">
+              <p:cTn id="2" dur="indefinite" nodeType="mainSeq">
+                <p:childTnLst>
+                  <p:par>
+                    <p:cTn id="3" fill="hold">
+                      <p:stCondLst>
+                        <p:cond delay="indefinite"/>
+                      </p:stCondLst>
+                      <p:childTnLst>
+                        <p:par>
+                          <p:cTn id="4" fill="hold">
+                            <p:stCondLst>
+                              <p:cond delay="0"/>
+                            </p:stCondLst>
+                            <p:childTnLst>
+                              <p:par>
+                                <p:cTn id="5" presetID="42" presetClass="entr" presetSubtype="0" fill="hold" nodeType="clickEffect">
+                                  <p:stCondLst>
+                                    <p:cond delay="0"/>
+                                  </p:stCondLst>
+                                  <p:childTnLst>
+                                    <p:set>
+                                      <p:cBhvr>
+                                        <p:cTn id="6" dur="1" fill="hold">
+                                          <p:stCondLst>
+                                            <p:cond delay="0"/>
+                                          </p:stCondLst>
+                                        </p:cTn>
+                                        <p:tgtEl>
+                                          <p:spTgt spid="3"/>
+                                        </p:tgtEl>
+                                        <p:attrNameLst>
+                                          <p:attrName>style.visibility</p:attrName>
+                                        </p:attrNameLst>
+                                      </p:cBhvr>
+                                      <p:to>
+                                        <p:strVal val="visible"/>
+                                      </p:to>
+                                    </p:set>
+                                    <p:animEffect transition="in" filter="fade">
+                                      <p:cBhvr>
+                                        <p:cTn id="7" dur="1000"/>
+                                        <p:tgtEl>
+                                          <p:spTgt spid="3"/>
+                                        </p:tgtEl>
+                                      </p:cBhvr>
+                                    </p:animEffect>
+                                    <p:anim calcmode="lin" valueType="num">
+                                      <p:cBhvr>
+                                        <p:cTn id="8" dur="1000" fill="hold"/>
+                                        <p:tgtEl>
+                                          <p:spTgt spid="3"/>
+                                        </p:tgtEl>
+                                        <p:attrNameLst>
+                                          <p:attrName>ppt_x</p:attrName>
+                                        </p:attrNameLst>
+                                      </p:cBhvr>
+                                      <p:tavLst>
+                                        <p:tav tm="0">
+                                          <p:val>
+                                            <p:strVal val="#ppt_x"/>
+                                          </p:val>
+                                        </p:tav>
+                                        <p:tav tm="100000">
+                                          <p:val>
+                                            <p:strVal val="#ppt_x"/>
+                                          </p:val>
+                                        </p:tav>
+                                      </p:tavLst>
+                                    </p:anim>
+                                    <p:anim calcmode="lin" valueType="num">
+                                      <p:cBhvr>
+                                        <p:cTn id="9" dur="1000" fill="hold"/>
+                                        <p:tgtEl>
+                                          <p:spTgt spid="3"/>
+                                        </p:tgtEl>
+                                        <p:attrNameLst>
+                                          <p:attrName>ppt_y</p:attrName>
+                                        </p:attrNameLst>
+                                      </p:cBhvr>
+                                      <p:tavLst>
+                                        <p:tav tm="0">
+                                          <p:val>
+                                            <p:strVal val="#ppt_y+.1"/>
+                                          </p:val>
+                                        </p:tav>
+                                        <p:tav tm="100000">
+                                          <p:val>
+                                            <p:strVal val="#ppt_y"/>
+                                          </p:val>
+                                        </p:tav>
+                                      </p:tavLst>
+                                    </p:anim>
+                                  </p:childTnLst>
+                                </p:cTn>
+                              </p:par>
+                            </p:childTnLst>
+                          </p:cTn>
+                        </p:par>
+                      </p:childTnLst>
+                    </p:cTn>
+                  </p:par>
+                </p:childTnLst>
+              </p:cTn>
+              <p:prevCondLst>
+                <p:cond evt="onPrev" delay="0">
+                  <p:tgtEl>
+                    <p:sldTgt/>
+                  </p:tgtEl>
+                </p:cond>
+              </p:prevCondLst>
+              <p:nextCondLst>
+                <p:cond evt="onNext" delay="0">
+                  <p:tgtEl>
+                    <p:sldTgt/>
+                  </p:tgtEl>
+                </p:cond>
+              </p:nextCondLst>
+            </p:seq>
+          </p:childTnLst>
+        </p:cTn>
+      </p:par>
+    </p:tnLst>
+  </p:timing>
+</p:sld>
+</file>
+
+<file path=ppt/slides/slide5.xml><?xml version="1.0" encoding="utf-8"?>
+<p:sld xmlns:a="http://schemas.openxmlformats.org/drawingml/2006/main" xmlns:r="http://schemas.openxmlformats.org/officeDocument/2006/relationships" xmlns:p="http://schemas.openxmlformats.org/presentationml/2006/main">
+  <p:cSld>
+    <p:spTree>
+      <p:nvGrpSpPr>
+        <p:cNvPr id="1" name=""/>
+        <p:cNvGrpSpPr/>
+        <p:nvPr/>
+      </p:nvGrpSpPr>
+      <p:grpSpPr>
+        <a:xfrm>
+          <a:off x="0" y="0"/>
+          <a:ext cx="0" cy="0"/>
+          <a:chOff x="0" y="0"/>
+          <a:chExt cx="0" cy="0"/>
+        </a:xfrm>
+      </p:grpSpPr>
+      <p:pic>
+        <p:nvPicPr>
+          <p:cNvPr id="2" name="Picture 1"/>
+          <p:cNvPicPr>
+            <a:picLocks noChangeAspect="1"/>
+          </p:cNvPicPr>
+          <p:nvPr/>
+        </p:nvPicPr>
+        <p:blipFill>
+          <a:blip r:embed="rId2">
+            <a:extLst>
+              <a:ext uri="{28A0092B-C50C-407E-A947-70E740481C1C}">
+                <a14:useLocalDpi xmlns:a14="http://schemas.microsoft.com/office/drawing/2010/main" val="0"/>
+              </a:ext>
+            </a:extLst>
+          </a:blip>
+          <a:stretch>
+            <a:fillRect/>
+          </a:stretch>
+        </p:blipFill>
+        <p:spPr>
+          <a:xfrm>
+            <a:off x="0" y="1"/>
+            <a:ext cx="12440650" cy="6858000"/>
+          </a:xfrm>
+          <a:prstGeom prst="rect">
+            <a:avLst/>
+          </a:prstGeom>
+        </p:spPr>
+      </p:pic>
+    </p:spTree>
+    <p:extLst>
+      <p:ext uri="{BB962C8B-B14F-4D97-AF65-F5344CB8AC3E}">
+        <p14:creationId xmlns:p14="http://schemas.microsoft.com/office/powerpoint/2010/main" val="2480271783"/>
+      </p:ext>
+    </p:extLst>
+  </p:cSld>
+  <p:clrMapOvr>
+    <a:masterClrMapping/>
+  </p:clrMapOvr>
+  <p:timing>
+    <p:tnLst>
+      <p:par>
+        <p:cTn id="1" dur="indefinite" restart="never" nodeType="tmRoot">
+          <p:childTnLst>
+            <p:seq concurrent="1" nextAc="seek">
+              <p:cTn id="2" dur="indefinite" nodeType="mainSeq">
+                <p:childTnLst>
+                  <p:par>
+                    <p:cTn id="3" fill="hold">
+                      <p:stCondLst>
+                        <p:cond delay="indefinite"/>
+                      </p:stCondLst>
+                      <p:childTnLst>
+                        <p:par>
+                          <p:cTn id="4" fill="hold">
+                            <p:stCondLst>
+                              <p:cond delay="0"/>
+                            </p:stCondLst>
+                            <p:childTnLst>
+                              <p:par>
+                                <p:cTn id="5" presetID="53" presetClass="entr" presetSubtype="16" fill="hold" nodeType="clickEffect">
+                                  <p:stCondLst>
+                                    <p:cond delay="0"/>
+                                  </p:stCondLst>
+                                  <p:childTnLst>
+                                    <p:set>
+                                      <p:cBhvr>
+                                        <p:cTn id="6" dur="1" fill="hold">
+                                          <p:stCondLst>
+                                            <p:cond delay="0"/>
+                                          </p:stCondLst>
+                                        </p:cTn>
+                                        <p:tgtEl>
+                                          <p:spTgt spid="2"/>
+                                        </p:tgtEl>
+                                        <p:attrNameLst>
+                                          <p:attrName>style.visibility</p:attrName>
+                                        </p:attrNameLst>
+                                      </p:cBhvr>
+                                      <p:to>
+                                        <p:strVal val="visible"/>
+                                      </p:to>
+                                    </p:set>
+                                    <p:anim calcmode="lin" valueType="num">
+                                      <p:cBhvr>
+                                        <p:cTn id="7" dur="500" fill="hold"/>
+                                        <p:tgtEl>
+                                          <p:spTgt spid="2"/>
+                                        </p:tgtEl>
+                                        <p:attrNameLst>
+                                          <p:attrName>ppt_w</p:attrName>
+                                        </p:attrNameLst>
+                                      </p:cBhvr>
+                                      <p:tavLst>
+                                        <p:tav tm="0">
+                                          <p:val>
+                                            <p:fltVal val="0"/>
+                                          </p:val>
+                                        </p:tav>
+                                        <p:tav tm="100000">
+                                          <p:val>
+                                            <p:strVal val="#ppt_w"/>
+                                          </p:val>
+                                        </p:tav>
+                                      </p:tavLst>
+                                    </p:anim>
+                                    <p:anim calcmode="lin" valueType="num">
+                                      <p:cBhvr>
+                                        <p:cTn id="8" dur="500" fill="hold"/>
+                                        <p:tgtEl>
+                                          <p:spTgt spid="2"/>
+                                        </p:tgtEl>
+                                        <p:attrNameLst>
+                                          <p:attrName>ppt_h</p:attrName>
+                                        </p:attrNameLst>
+                                      </p:cBhvr>
+                                      <p:tavLst>
+                                        <p:tav tm="0">
+                                          <p:val>
+                                            <p:fltVal val="0"/>
+                                          </p:val>
+                                        </p:tav>
+                                        <p:tav tm="100000">
+                                          <p:val>
+                                            <p:strVal val="#ppt_h"/>
+                                          </p:val>
+                                        </p:tav>
+                                      </p:tavLst>
+                                    </p:anim>
+                                    <p:animEffect transition="in" filter="fade">
+                                      <p:cBhvr>
+                                        <p:cTn id="9" dur="500"/>
+                                        <p:tgtEl>
+                                          <p:spTgt spid="2"/>
+                                        </p:tgtEl>
+                                      </p:cBhvr>
+                                    </p:animEffect>
+                                  </p:childTnLst>
+                                </p:cTn>
+                              </p:par>
+                            </p:childTnLst>
+                          </p:cTn>
+                        </p:par>
+                      </p:childTnLst>
+                    </p:cTn>
+                  </p:par>
+                </p:childTnLst>
+              </p:cTn>
+              <p:prevCondLst>
+                <p:cond evt="onPrev" delay="0">
+                  <p:tgtEl>
+                    <p:sldTgt/>
+                  </p:tgtEl>
+                </p:cond>
+              </p:prevCondLst>
+              <p:nextCondLst>
+                <p:cond evt="onNext" delay="0">
+                  <p:tgtEl>
+                    <p:sldTgt/>
+                  </p:tgtEl>
+                </p:cond>
+              </p:nextCondLst>
+            </p:seq>
+          </p:childTnLst>
+        </p:cTn>
+      </p:par>
+    </p:tnLst>
+  </p:timing>
+</p:sld>
+</file>
+
+<file path=ppt/slides/slide6.xml><?xml version="1.0" encoding="utf-8"?>
+<p:sld xmlns:a="http://schemas.openxmlformats.org/drawingml/2006/main" xmlns:r="http://schemas.openxmlformats.org/officeDocument/2006/relationships" xmlns:p="http://schemas.openxmlformats.org/presentationml/2006/main">
+  <p:cSld>
+    <p:spTree>
+      <p:nvGrpSpPr>
+        <p:cNvPr id="1" name=""/>
+        <p:cNvGrpSpPr/>
+        <p:nvPr/>
+      </p:nvGrpSpPr>
+      <p:grpSpPr>
+        <a:xfrm>
+          <a:off x="0" y="0"/>
+          <a:ext cx="0" cy="0"/>
+          <a:chOff x="0" y="0"/>
+          <a:chExt cx="0" cy="0"/>
+        </a:xfrm>
+      </p:grpSpPr>
+      <p:pic>
+        <p:nvPicPr>
+          <p:cNvPr id="2" name="Picture 1"/>
+          <p:cNvPicPr>
+            <a:picLocks noChangeAspect="1"/>
+          </p:cNvPicPr>
+          <p:nvPr/>
+        </p:nvPicPr>
+        <p:blipFill>
+          <a:blip r:embed="rId2">
+            <a:extLst>
+              <a:ext uri="{28A0092B-C50C-407E-A947-70E740481C1C}">
+                <a14:useLocalDpi xmlns:a14="http://schemas.microsoft.com/office/drawing/2010/main" val="0"/>
+              </a:ext>
+            </a:extLst>
+          </a:blip>
+          <a:stretch>
+            <a:fillRect/>
+          </a:stretch>
+        </p:blipFill>
+        <p:spPr>
+          <a:xfrm>
+            <a:off x="115910" y="942296"/>
+            <a:ext cx="11960180" cy="4973408"/>
+          </a:xfrm>
+          <a:prstGeom prst="rect">
+            <a:avLst/>
+          </a:prstGeom>
+        </p:spPr>
+      </p:pic>
+    </p:spTree>
+    <p:extLst>
+      <p:ext uri="{BB962C8B-B14F-4D97-AF65-F5344CB8AC3E}">
+        <p14:creationId xmlns:p14="http://schemas.microsoft.com/office/powerpoint/2010/main" val="192614224"/>
+      </p:ext>
+    </p:extLst>
+  </p:cSld>
+  <p:clrMapOvr>
+    <a:masterClrMapping/>
+  </p:clrMapOvr>
   <p:timing>
     <p:tnLst>
       <p:par>
@@ -6882,105 +7381,6 @@
                       </p:childTnLst>
                     </p:cTn>
                   </p:par>
-                  <p:par>
-                    <p:cTn id="8" fill="hold">
-                      <p:stCondLst>
-                        <p:cond delay="indefinite"/>
-                      </p:stCondLst>
-                      <p:childTnLst>
-                        <p:par>
-                          <p:cTn id="9" fill="hold">
-                            <p:stCondLst>
-                              <p:cond delay="0"/>
-                            </p:stCondLst>
-                            <p:childTnLst>
-                              <p:par>
-                                <p:cTn id="10" presetID="50" presetClass="exit" presetSubtype="0" accel="100000" fill="hold" nodeType="clickEffect">
-                                  <p:stCondLst>
-                                    <p:cond delay="0"/>
-                                  </p:stCondLst>
-                                  <p:childTnLst>
-                                    <p:anim calcmode="lin" valueType="num">
-                                      <p:cBhvr>
-                                        <p:cTn id="11" dur="1000"/>
-                                        <p:tgtEl>
-                                          <p:spTgt spid="2"/>
-                                        </p:tgtEl>
-                                        <p:attrNameLst>
-                                          <p:attrName>ppt_w</p:attrName>
-                                        </p:attrNameLst>
-                                      </p:cBhvr>
-                                      <p:tavLst>
-                                        <p:tav tm="0">
-                                          <p:val>
-                                            <p:strVal val="ppt_w"/>
-                                          </p:val>
-                                        </p:tav>
-                                        <p:tav tm="100000">
-                                          <p:val>
-                                            <p:strVal val="ppt_w+.3"/>
-                                          </p:val>
-                                        </p:tav>
-                                      </p:tavLst>
-                                    </p:anim>
-                                    <p:anim calcmode="lin" valueType="num">
-                                      <p:cBhvr>
-                                        <p:cTn id="12" dur="1000"/>
-                                        <p:tgtEl>
-                                          <p:spTgt spid="2"/>
-                                        </p:tgtEl>
-                                        <p:attrNameLst>
-                                          <p:attrName>ppt_h</p:attrName>
-                                        </p:attrNameLst>
-                                      </p:cBhvr>
-                                      <p:tavLst>
-                                        <p:tav tm="0">
-                                          <p:val>
-                                            <p:strVal val="ppt_h"/>
-                                          </p:val>
-                                        </p:tav>
-                                        <p:tav tm="100000">
-                                          <p:val>
-                                            <p:strVal val="ppt_h"/>
-                                          </p:val>
-                                        </p:tav>
-                                      </p:tavLst>
-                                    </p:anim>
-                                    <p:animEffect transition="out" filter="fade">
-                                      <p:cBhvr>
-                                        <p:cTn id="13" dur="1000"/>
-                                        <p:tgtEl>
-                                          <p:spTgt spid="2"/>
-                                        </p:tgtEl>
-                                      </p:cBhvr>
-                                    </p:animEffect>
-                                    <p:set>
-                                      <p:cBhvr>
-                                        <p:cTn id="14" dur="1" fill="hold">
-                                          <p:stCondLst>
-                                            <p:cond delay="999"/>
-                                          </p:stCondLst>
-                                        </p:cTn>
-                                        <p:tgtEl>
-                                          <p:spTgt spid="2"/>
-                                        </p:tgtEl>
-                                        <p:attrNameLst>
-                                          <p:attrName>style.visibility</p:attrName>
-                                        </p:attrNameLst>
-                                      </p:cBhvr>
-                                      <p:to>
-                                        <p:strVal val="hidden"/>
-                                      </p:to>
-                                    </p:set>
-                                  </p:childTnLst>
-                                </p:cTn>
-                              </p:par>
-                            </p:childTnLst>
-                          </p:cTn>
-                        </p:par>
-                      </p:childTnLst>
-                    </p:cTn>
-                  </p:par>
                 </p:childTnLst>
               </p:cTn>
               <p:prevCondLst>
@@ -7006,7 +7406,7 @@
 </p:sld>
 </file>
 
-<file path=ppt/slides/slide4.xml><?xml version="1.0" encoding="utf-8"?>
+<file path=ppt/slides/slide7.xml><?xml version="1.0" encoding="utf-8"?>
 <p:sld xmlns:a="http://schemas.openxmlformats.org/drawingml/2006/main" xmlns:r="http://schemas.openxmlformats.org/officeDocument/2006/relationships" xmlns:p="http://schemas.openxmlformats.org/presentationml/2006/main">
   <p:cSld>
     <p:spTree>
@@ -7025,7 +7425,7 @@
       </p:grpSpPr>
       <p:pic>
         <p:nvPicPr>
-          <p:cNvPr id="4" name="Рисунок 3"/>
+          <p:cNvPr id="4" name="Picture 3"/>
           <p:cNvPicPr>
             <a:picLocks noChangeAspect="1"/>
           </p:cNvPicPr>
@@ -7045,28 +7445,18 @@
         </p:blipFill>
         <p:spPr>
           <a:xfrm>
-            <a:off x="0" y="1325217"/>
-            <a:ext cx="12192000" cy="4611757"/>
+            <a:off x="1017431" y="43287"/>
+            <a:ext cx="10157138" cy="6771426"/>
           </a:xfrm>
           <a:prstGeom prst="rect">
             <a:avLst/>
           </a:prstGeom>
-          <a:ln>
-            <a:noFill/>
-          </a:ln>
-          <a:effectLst>
-            <a:outerShdw blurRad="292100" dist="139700" dir="2700000" algn="tl" rotWithShape="0">
-              <a:srgbClr val="333333">
-                <a:alpha val="65000"/>
-              </a:srgbClr>
-            </a:outerShdw>
-          </a:effectLst>
         </p:spPr>
       </p:pic>
     </p:spTree>
     <p:extLst>
       <p:ext uri="{BB962C8B-B14F-4D97-AF65-F5344CB8AC3E}">
-        <p14:creationId xmlns:p14="http://schemas.microsoft.com/office/powerpoint/2010/main" val="2480271783"/>
+        <p14:creationId xmlns:p14="http://schemas.microsoft.com/office/powerpoint/2010/main" val="4066181033"/>
       </p:ext>
     </p:extLst>
   </p:cSld>
@@ -7134,110 +7524,119 @@
                       </p:childTnLst>
                     </p:cTn>
                   </p:par>
+                </p:childTnLst>
+              </p:cTn>
+              <p:prevCondLst>
+                <p:cond evt="onPrev" delay="0">
+                  <p:tgtEl>
+                    <p:sldTgt/>
+                  </p:tgtEl>
+                </p:cond>
+              </p:prevCondLst>
+              <p:nextCondLst>
+                <p:cond evt="onNext" delay="0">
+                  <p:tgtEl>
+                    <p:sldTgt/>
+                  </p:tgtEl>
+                </p:cond>
+              </p:nextCondLst>
+            </p:seq>
+          </p:childTnLst>
+        </p:cTn>
+      </p:par>
+    </p:tnLst>
+  </p:timing>
+</p:sld>
+</file>
+
+<file path=ppt/slides/slide8.xml><?xml version="1.0" encoding="utf-8"?>
+<p:sld xmlns:a="http://schemas.openxmlformats.org/drawingml/2006/main" xmlns:r="http://schemas.openxmlformats.org/officeDocument/2006/relationships" xmlns:p="http://schemas.openxmlformats.org/presentationml/2006/main">
+  <p:cSld>
+    <p:spTree>
+      <p:nvGrpSpPr>
+        <p:cNvPr id="1" name=""/>
+        <p:cNvGrpSpPr/>
+        <p:nvPr/>
+      </p:nvGrpSpPr>
+      <p:grpSpPr>
+        <a:xfrm>
+          <a:off x="0" y="0"/>
+          <a:ext cx="0" cy="0"/>
+          <a:chOff x="0" y="0"/>
+          <a:chExt cx="0" cy="0"/>
+        </a:xfrm>
+      </p:grpSpPr>
+      <p:pic>
+        <p:nvPicPr>
+          <p:cNvPr id="4" name="Picture 3"/>
+          <p:cNvPicPr>
+            <a:picLocks noChangeAspect="1"/>
+          </p:cNvPicPr>
+          <p:nvPr/>
+        </p:nvPicPr>
+        <p:blipFill>
+          <a:blip r:embed="rId2">
+            <a:extLst>
+              <a:ext uri="{28A0092B-C50C-407E-A947-70E740481C1C}">
+                <a14:useLocalDpi xmlns:a14="http://schemas.microsoft.com/office/drawing/2010/main" val="0"/>
+              </a:ext>
+            </a:extLst>
+          </a:blip>
+          <a:stretch>
+            <a:fillRect/>
+          </a:stretch>
+        </p:blipFill>
+        <p:spPr>
+          <a:xfrm>
+            <a:off x="1166813" y="0"/>
+            <a:ext cx="9858374" cy="6858000"/>
+          </a:xfrm>
+          <a:prstGeom prst="rect">
+            <a:avLst/>
+          </a:prstGeom>
+        </p:spPr>
+      </p:pic>
+    </p:spTree>
+    <p:extLst>
+      <p:ext uri="{BB962C8B-B14F-4D97-AF65-F5344CB8AC3E}">
+        <p14:creationId xmlns:p14="http://schemas.microsoft.com/office/powerpoint/2010/main" val="1603198791"/>
+      </p:ext>
+    </p:extLst>
+  </p:cSld>
+  <p:clrMapOvr>
+    <a:masterClrMapping/>
+  </p:clrMapOvr>
+  <p:timing>
+    <p:tnLst>
+      <p:par>
+        <p:cTn id="1" dur="indefinite" restart="never" nodeType="tmRoot">
+          <p:childTnLst>
+            <p:seq concurrent="1" nextAc="seek">
+              <p:cTn id="2" dur="indefinite" nodeType="mainSeq">
+                <p:childTnLst>
                   <p:par>
-                    <p:cTn id="8" fill="hold">
+                    <p:cTn id="3" fill="hold">
                       <p:stCondLst>
                         <p:cond delay="indefinite"/>
                       </p:stCondLst>
                       <p:childTnLst>
                         <p:par>
-                          <p:cTn id="9" fill="hold">
+                          <p:cTn id="4" fill="hold">
                             <p:stCondLst>
                               <p:cond delay="0"/>
                             </p:stCondLst>
                             <p:childTnLst>
                               <p:par>
-                                <p:cTn id="10" presetID="37" presetClass="exit" presetSubtype="0" fill="hold" nodeType="clickEffect">
+                                <p:cTn id="5" presetID="53" presetClass="entr" presetSubtype="16" fill="hold" nodeType="clickEffect">
                                   <p:stCondLst>
                                     <p:cond delay="0"/>
                                   </p:stCondLst>
                                   <p:childTnLst>
-                                    <p:animEffect transition="out" filter="fade">
-                                      <p:cBhvr>
-                                        <p:cTn id="11" dur="1000"/>
-                                        <p:tgtEl>
-                                          <p:spTgt spid="4"/>
-                                        </p:tgtEl>
-                                      </p:cBhvr>
-                                    </p:animEffect>
-                                    <p:anim calcmode="lin" valueType="num">
-                                      <p:cBhvr>
-                                        <p:cTn id="12" dur="1000"/>
-                                        <p:tgtEl>
-                                          <p:spTgt spid="4"/>
-                                        </p:tgtEl>
-                                        <p:attrNameLst>
-                                          <p:attrName>ppt_x</p:attrName>
-                                        </p:attrNameLst>
-                                      </p:cBhvr>
-                                      <p:tavLst>
-                                        <p:tav tm="0">
-                                          <p:val>
-                                            <p:strVal val="ppt_x"/>
-                                          </p:val>
-                                        </p:tav>
-                                        <p:tav tm="100000">
-                                          <p:val>
-                                            <p:strVal val="ppt_x"/>
-                                          </p:val>
-                                        </p:tav>
-                                      </p:tavLst>
-                                    </p:anim>
-                                    <p:anim calcmode="lin" valueType="num">
-                                      <p:cBhvr>
-                                        <p:cTn id="13" dur="100" decel="100000"/>
-                                        <p:tgtEl>
-                                          <p:spTgt spid="4"/>
-                                        </p:tgtEl>
-                                        <p:attrNameLst>
-                                          <p:attrName>ppt_y</p:attrName>
-                                        </p:attrNameLst>
-                                      </p:cBhvr>
-                                      <p:tavLst>
-                                        <p:tav tm="0">
-                                          <p:val>
-                                            <p:strVal val="ppt_y"/>
-                                          </p:val>
-                                        </p:tav>
-                                        <p:tav tm="100000">
-                                          <p:val>
-                                            <p:strVal val="ppt_y-.03"/>
-                                          </p:val>
-                                        </p:tav>
-                                      </p:tavLst>
-                                    </p:anim>
-                                    <p:anim calcmode="lin" valueType="num">
-                                      <p:cBhvr>
-                                        <p:cTn id="14" dur="900" accel="100000">
-                                          <p:stCondLst>
-                                            <p:cond delay="100"/>
-                                          </p:stCondLst>
-                                        </p:cTn>
-                                        <p:tgtEl>
-                                          <p:spTgt spid="4"/>
-                                        </p:tgtEl>
-                                        <p:attrNameLst>
-                                          <p:attrName>ppt_y</p:attrName>
-                                        </p:attrNameLst>
-                                      </p:cBhvr>
-                                      <p:tavLst>
-                                        <p:tav tm="0">
-                                          <p:val>
-                                            <p:strVal val="ppt_y"/>
-                                          </p:val>
-                                        </p:tav>
-                                        <p:tav tm="100000">
-                                          <p:val>
-                                            <p:strVal val="ppt_y+1"/>
-                                          </p:val>
-                                        </p:tav>
-                                      </p:tavLst>
-                                    </p:anim>
                                     <p:set>
                                       <p:cBhvr>
-                                        <p:cTn id="15" dur="1" fill="hold">
+                                        <p:cTn id="6" dur="1" fill="hold">
                                           <p:stCondLst>
-                                            <p:cond delay="999"/>
+                                            <p:cond delay="0"/>
                                           </p:stCondLst>
                                         </p:cTn>
                                         <p:tgtEl>
@@ -7248,9 +7647,63 @@
                                         </p:attrNameLst>
                                       </p:cBhvr>
                                       <p:to>
-                                        <p:strVal val="hidden"/>
+                                        <p:strVal val="visible"/>
                                       </p:to>
                                     </p:set>
+                                    <p:anim calcmode="lin" valueType="num">
+                                      <p:cBhvr>
+                                        <p:cTn id="7" dur="500" fill="hold"/>
+                                        <p:tgtEl>
+                                          <p:spTgt spid="4"/>
+                                        </p:tgtEl>
+                                        <p:attrNameLst>
+                                          <p:attrName>ppt_w</p:attrName>
+                                        </p:attrNameLst>
+                                      </p:cBhvr>
+                                      <p:tavLst>
+                                        <p:tav tm="0">
+                                          <p:val>
+                                            <p:fltVal val="0"/>
+                                          </p:val>
+                                        </p:tav>
+                                        <p:tav tm="100000">
+                                          <p:val>
+                                            <p:strVal val="#ppt_w"/>
+                                          </p:val>
+                                        </p:tav>
+                                      </p:tavLst>
+                                    </p:anim>
+                                    <p:anim calcmode="lin" valueType="num">
+                                      <p:cBhvr>
+                                        <p:cTn id="8" dur="500" fill="hold"/>
+                                        <p:tgtEl>
+                                          <p:spTgt spid="4"/>
+                                        </p:tgtEl>
+                                        <p:attrNameLst>
+                                          <p:attrName>ppt_h</p:attrName>
+                                        </p:attrNameLst>
+                                      </p:cBhvr>
+                                      <p:tavLst>
+                                        <p:tav tm="0">
+                                          <p:val>
+                                            <p:fltVal val="0"/>
+                                          </p:val>
+                                        </p:tav>
+                                        <p:tav tm="100000">
+                                          <p:val>
+                                            <p:strVal val="#ppt_h"/>
+                                          </p:val>
+                                        </p:tav>
+                                      </p:tavLst>
+                                    </p:anim>
+                                    <p:animEffect transition="in" filter="fade">
+                                      <p:cBhvr>
+                                        <p:cTn id="9" dur="500"/>
+                                        <p:tgtEl>
+                                          <p:spTgt spid="4"/>
+                                        </p:tgtEl>
+                                      </p:cBhvr>
+                                    </p:animEffect>
                                   </p:childTnLst>
                                 </p:cTn>
                               </p:par>
@@ -7285,431 +7738,7 @@
 </p:sld>
 </file>
 
-<file path=ppt/slides/slide5.xml><?xml version="1.0" encoding="utf-8"?>
-<p:sld xmlns:a="http://schemas.openxmlformats.org/drawingml/2006/main" xmlns:r="http://schemas.openxmlformats.org/officeDocument/2006/relationships" xmlns:p="http://schemas.openxmlformats.org/presentationml/2006/main">
-  <p:cSld>
-    <p:spTree>
-      <p:nvGrpSpPr>
-        <p:cNvPr id="1" name=""/>
-        <p:cNvGrpSpPr/>
-        <p:nvPr/>
-      </p:nvGrpSpPr>
-      <p:grpSpPr>
-        <a:xfrm>
-          <a:off x="0" y="0"/>
-          <a:ext cx="0" cy="0"/>
-          <a:chOff x="0" y="0"/>
-          <a:chExt cx="0" cy="0"/>
-        </a:xfrm>
-      </p:grpSpPr>
-      <p:pic>
-        <p:nvPicPr>
-          <p:cNvPr id="4" name="Рисунок 3"/>
-          <p:cNvPicPr>
-            <a:picLocks noChangeAspect="1"/>
-          </p:cNvPicPr>
-          <p:nvPr/>
-        </p:nvPicPr>
-        <p:blipFill>
-          <a:blip r:embed="rId2">
-            <a:extLst>
-              <a:ext uri="{28A0092B-C50C-407E-A947-70E740481C1C}">
-                <a14:useLocalDpi xmlns:a14="http://schemas.microsoft.com/office/drawing/2010/main" val="0"/>
-              </a:ext>
-            </a:extLst>
-          </a:blip>
-          <a:stretch>
-            <a:fillRect/>
-          </a:stretch>
-        </p:blipFill>
-        <p:spPr>
-          <a:xfrm>
-            <a:off x="1609859" y="1558344"/>
-            <a:ext cx="8991600" cy="3657600"/>
-          </a:xfrm>
-          <a:prstGeom prst="rect">
-            <a:avLst/>
-          </a:prstGeom>
-        </p:spPr>
-      </p:pic>
-      <p:pic>
-        <p:nvPicPr>
-          <p:cNvPr id="5" name="Рисунок 4"/>
-          <p:cNvPicPr>
-            <a:picLocks noChangeAspect="1"/>
-          </p:cNvPicPr>
-          <p:nvPr/>
-        </p:nvPicPr>
-        <p:blipFill>
-          <a:blip r:embed="rId3">
-            <a:extLst>
-              <a:ext uri="{28A0092B-C50C-407E-A947-70E740481C1C}">
-                <a14:useLocalDpi xmlns:a14="http://schemas.microsoft.com/office/drawing/2010/main" val="0"/>
-              </a:ext>
-            </a:extLst>
-          </a:blip>
-          <a:stretch>
-            <a:fillRect/>
-          </a:stretch>
-        </p:blipFill>
-        <p:spPr>
-          <a:xfrm>
-            <a:off x="2725313" y="2132526"/>
-            <a:ext cx="9093200" cy="3733800"/>
-          </a:xfrm>
-          <a:prstGeom prst="rect">
-            <a:avLst/>
-          </a:prstGeom>
-        </p:spPr>
-      </p:pic>
-    </p:spTree>
-    <p:extLst>
-      <p:ext uri="{BB962C8B-B14F-4D97-AF65-F5344CB8AC3E}">
-        <p14:creationId xmlns:p14="http://schemas.microsoft.com/office/powerpoint/2010/main" val="192614224"/>
-      </p:ext>
-    </p:extLst>
-  </p:cSld>
-  <p:clrMapOvr>
-    <a:masterClrMapping/>
-  </p:clrMapOvr>
-  <p:timing>
-    <p:tnLst>
-      <p:par>
-        <p:cTn id="1" dur="indefinite" restart="never" nodeType="tmRoot">
-          <p:childTnLst>
-            <p:seq concurrent="1" nextAc="seek">
-              <p:cTn id="2" dur="indefinite" nodeType="mainSeq">
-                <p:childTnLst>
-                  <p:par>
-                    <p:cTn id="3" fill="hold">
-                      <p:stCondLst>
-                        <p:cond delay="indefinite"/>
-                      </p:stCondLst>
-                      <p:childTnLst>
-                        <p:par>
-                          <p:cTn id="4" fill="hold">
-                            <p:stCondLst>
-                              <p:cond delay="0"/>
-                            </p:stCondLst>
-                            <p:childTnLst>
-                              <p:par>
-                                <p:cTn id="5" presetID="10" presetClass="entr" presetSubtype="0" fill="hold" nodeType="clickEffect">
-                                  <p:stCondLst>
-                                    <p:cond delay="0"/>
-                                  </p:stCondLst>
-                                  <p:childTnLst>
-                                    <p:set>
-                                      <p:cBhvr>
-                                        <p:cTn id="6" dur="1" fill="hold">
-                                          <p:stCondLst>
-                                            <p:cond delay="0"/>
-                                          </p:stCondLst>
-                                        </p:cTn>
-                                        <p:tgtEl>
-                                          <p:spTgt spid="4"/>
-                                        </p:tgtEl>
-                                        <p:attrNameLst>
-                                          <p:attrName>style.visibility</p:attrName>
-                                        </p:attrNameLst>
-                                      </p:cBhvr>
-                                      <p:to>
-                                        <p:strVal val="visible"/>
-                                      </p:to>
-                                    </p:set>
-                                    <p:animEffect transition="in" filter="fade">
-                                      <p:cBhvr>
-                                        <p:cTn id="7" dur="500"/>
-                                        <p:tgtEl>
-                                          <p:spTgt spid="4"/>
-                                        </p:tgtEl>
-                                      </p:cBhvr>
-                                    </p:animEffect>
-                                  </p:childTnLst>
-                                </p:cTn>
-                              </p:par>
-                            </p:childTnLst>
-                          </p:cTn>
-                        </p:par>
-                      </p:childTnLst>
-                    </p:cTn>
-                  </p:par>
-                  <p:par>
-                    <p:cTn id="8" fill="hold">
-                      <p:stCondLst>
-                        <p:cond delay="indefinite"/>
-                      </p:stCondLst>
-                      <p:childTnLst>
-                        <p:par>
-                          <p:cTn id="9" fill="hold">
-                            <p:stCondLst>
-                              <p:cond delay="0"/>
-                            </p:stCondLst>
-                            <p:childTnLst>
-                              <p:par>
-                                <p:cTn id="10" presetID="42" presetClass="exit" presetSubtype="0" fill="hold" nodeType="clickEffect">
-                                  <p:stCondLst>
-                                    <p:cond delay="0"/>
-                                  </p:stCondLst>
-                                  <p:childTnLst>
-                                    <p:animEffect transition="out" filter="fade">
-                                      <p:cBhvr>
-                                        <p:cTn id="11" dur="1000"/>
-                                        <p:tgtEl>
-                                          <p:spTgt spid="4"/>
-                                        </p:tgtEl>
-                                      </p:cBhvr>
-                                    </p:animEffect>
-                                    <p:anim calcmode="lin" valueType="num">
-                                      <p:cBhvr>
-                                        <p:cTn id="12" dur="1000"/>
-                                        <p:tgtEl>
-                                          <p:spTgt spid="4"/>
-                                        </p:tgtEl>
-                                        <p:attrNameLst>
-                                          <p:attrName>ppt_x</p:attrName>
-                                        </p:attrNameLst>
-                                      </p:cBhvr>
-                                      <p:tavLst>
-                                        <p:tav tm="0">
-                                          <p:val>
-                                            <p:strVal val="ppt_x"/>
-                                          </p:val>
-                                        </p:tav>
-                                        <p:tav tm="100000">
-                                          <p:val>
-                                            <p:strVal val="ppt_x"/>
-                                          </p:val>
-                                        </p:tav>
-                                      </p:tavLst>
-                                    </p:anim>
-                                    <p:anim calcmode="lin" valueType="num">
-                                      <p:cBhvr>
-                                        <p:cTn id="13" dur="1000"/>
-                                        <p:tgtEl>
-                                          <p:spTgt spid="4"/>
-                                        </p:tgtEl>
-                                        <p:attrNameLst>
-                                          <p:attrName>ppt_y</p:attrName>
-                                        </p:attrNameLst>
-                                      </p:cBhvr>
-                                      <p:tavLst>
-                                        <p:tav tm="0">
-                                          <p:val>
-                                            <p:strVal val="ppt_y"/>
-                                          </p:val>
-                                        </p:tav>
-                                        <p:tav tm="100000">
-                                          <p:val>
-                                            <p:strVal val="ppt_y+.1"/>
-                                          </p:val>
-                                        </p:tav>
-                                      </p:tavLst>
-                                    </p:anim>
-                                    <p:set>
-                                      <p:cBhvr>
-                                        <p:cTn id="14" dur="1" fill="hold">
-                                          <p:stCondLst>
-                                            <p:cond delay="999"/>
-                                          </p:stCondLst>
-                                        </p:cTn>
-                                        <p:tgtEl>
-                                          <p:spTgt spid="4"/>
-                                        </p:tgtEl>
-                                        <p:attrNameLst>
-                                          <p:attrName>style.visibility</p:attrName>
-                                        </p:attrNameLst>
-                                      </p:cBhvr>
-                                      <p:to>
-                                        <p:strVal val="hidden"/>
-                                      </p:to>
-                                    </p:set>
-                                  </p:childTnLst>
-                                </p:cTn>
-                              </p:par>
-                            </p:childTnLst>
-                          </p:cTn>
-                        </p:par>
-                      </p:childTnLst>
-                    </p:cTn>
-                  </p:par>
-                  <p:par>
-                    <p:cTn id="15" fill="hold">
-                      <p:stCondLst>
-                        <p:cond delay="indefinite"/>
-                      </p:stCondLst>
-                      <p:childTnLst>
-                        <p:par>
-                          <p:cTn id="16" fill="hold">
-                            <p:stCondLst>
-                              <p:cond delay="0"/>
-                            </p:stCondLst>
-                            <p:childTnLst>
-                              <p:par>
-                                <p:cTn id="17" presetID="22" presetClass="entr" presetSubtype="4" fill="hold" nodeType="clickEffect">
-                                  <p:stCondLst>
-                                    <p:cond delay="0"/>
-                                  </p:stCondLst>
-                                  <p:childTnLst>
-                                    <p:set>
-                                      <p:cBhvr>
-                                        <p:cTn id="18" dur="1" fill="hold">
-                                          <p:stCondLst>
-                                            <p:cond delay="0"/>
-                                          </p:stCondLst>
-                                        </p:cTn>
-                                        <p:tgtEl>
-                                          <p:spTgt spid="5"/>
-                                        </p:tgtEl>
-                                        <p:attrNameLst>
-                                          <p:attrName>style.visibility</p:attrName>
-                                        </p:attrNameLst>
-                                      </p:cBhvr>
-                                      <p:to>
-                                        <p:strVal val="visible"/>
-                                      </p:to>
-                                    </p:set>
-                                    <p:animEffect transition="in" filter="wipe(down)">
-                                      <p:cBhvr>
-                                        <p:cTn id="19" dur="500"/>
-                                        <p:tgtEl>
-                                          <p:spTgt spid="5"/>
-                                        </p:tgtEl>
-                                      </p:cBhvr>
-                                    </p:animEffect>
-                                  </p:childTnLst>
-                                </p:cTn>
-                              </p:par>
-                            </p:childTnLst>
-                          </p:cTn>
-                        </p:par>
-                      </p:childTnLst>
-                    </p:cTn>
-                  </p:par>
-                  <p:par>
-                    <p:cTn id="20" fill="hold">
-                      <p:stCondLst>
-                        <p:cond delay="indefinite"/>
-                      </p:stCondLst>
-                      <p:childTnLst>
-                        <p:par>
-                          <p:cTn id="21" fill="hold">
-                            <p:stCondLst>
-                              <p:cond delay="0"/>
-                            </p:stCondLst>
-                            <p:childTnLst>
-                              <p:par>
-                                <p:cTn id="22" presetID="47" presetClass="exit" presetSubtype="0" fill="hold" nodeType="clickEffect">
-                                  <p:stCondLst>
-                                    <p:cond delay="0"/>
-                                  </p:stCondLst>
-                                  <p:childTnLst>
-                                    <p:animEffect transition="out" filter="fade">
-                                      <p:cBhvr>
-                                        <p:cTn id="23" dur="1000"/>
-                                        <p:tgtEl>
-                                          <p:spTgt spid="5"/>
-                                        </p:tgtEl>
-                                      </p:cBhvr>
-                                    </p:animEffect>
-                                    <p:anim calcmode="lin" valueType="num">
-                                      <p:cBhvr>
-                                        <p:cTn id="24" dur="1000"/>
-                                        <p:tgtEl>
-                                          <p:spTgt spid="5"/>
-                                        </p:tgtEl>
-                                        <p:attrNameLst>
-                                          <p:attrName>ppt_x</p:attrName>
-                                        </p:attrNameLst>
-                                      </p:cBhvr>
-                                      <p:tavLst>
-                                        <p:tav tm="0">
-                                          <p:val>
-                                            <p:strVal val="ppt_x"/>
-                                          </p:val>
-                                        </p:tav>
-                                        <p:tav tm="100000">
-                                          <p:val>
-                                            <p:strVal val="ppt_x"/>
-                                          </p:val>
-                                        </p:tav>
-                                      </p:tavLst>
-                                    </p:anim>
-                                    <p:anim calcmode="lin" valueType="num">
-                                      <p:cBhvr>
-                                        <p:cTn id="25" dur="1000"/>
-                                        <p:tgtEl>
-                                          <p:spTgt spid="5"/>
-                                        </p:tgtEl>
-                                        <p:attrNameLst>
-                                          <p:attrName>ppt_y</p:attrName>
-                                        </p:attrNameLst>
-                                      </p:cBhvr>
-                                      <p:tavLst>
-                                        <p:tav tm="0">
-                                          <p:val>
-                                            <p:strVal val="ppt_y"/>
-                                          </p:val>
-                                        </p:tav>
-                                        <p:tav tm="100000">
-                                          <p:val>
-                                            <p:strVal val="ppt_y-.1"/>
-                                          </p:val>
-                                        </p:tav>
-                                      </p:tavLst>
-                                    </p:anim>
-                                    <p:set>
-                                      <p:cBhvr>
-                                        <p:cTn id="26" dur="1" fill="hold">
-                                          <p:stCondLst>
-                                            <p:cond delay="999"/>
-                                          </p:stCondLst>
-                                        </p:cTn>
-                                        <p:tgtEl>
-                                          <p:spTgt spid="5"/>
-                                        </p:tgtEl>
-                                        <p:attrNameLst>
-                                          <p:attrName>style.visibility</p:attrName>
-                                        </p:attrNameLst>
-                                      </p:cBhvr>
-                                      <p:to>
-                                        <p:strVal val="hidden"/>
-                                      </p:to>
-                                    </p:set>
-                                  </p:childTnLst>
-                                </p:cTn>
-                              </p:par>
-                            </p:childTnLst>
-                          </p:cTn>
-                        </p:par>
-                      </p:childTnLst>
-                    </p:cTn>
-                  </p:par>
-                </p:childTnLst>
-              </p:cTn>
-              <p:prevCondLst>
-                <p:cond evt="onPrev" delay="0">
-                  <p:tgtEl>
-                    <p:sldTgt/>
-                  </p:tgtEl>
-                </p:cond>
-              </p:prevCondLst>
-              <p:nextCondLst>
-                <p:cond evt="onNext" delay="0">
-                  <p:tgtEl>
-                    <p:sldTgt/>
-                  </p:tgtEl>
-                </p:cond>
-              </p:nextCondLst>
-            </p:seq>
-          </p:childTnLst>
-        </p:cTn>
-      </p:par>
-    </p:tnLst>
-  </p:timing>
-</p:sld>
-</file>
-
-<file path=ppt/slides/slide6.xml><?xml version="1.0" encoding="utf-8"?>
+<file path=ppt/slides/slide9.xml><?xml version="1.0" encoding="utf-8"?>
 <p:sld xmlns:a="http://schemas.openxmlformats.org/drawingml/2006/main" xmlns:r="http://schemas.openxmlformats.org/officeDocument/2006/relationships" xmlns:p="http://schemas.openxmlformats.org/presentationml/2006/main">
   <p:cSld>
     <p:spTree>

--- a/InetnationalStudents/Docs/Презентация.pptx
+++ b/InetnationalStudents/Docs/Презентация.pptx
@@ -7,13 +7,14 @@
   <p:sldIdLst>
     <p:sldId id="256" r:id="rId2"/>
     <p:sldId id="261" r:id="rId3"/>
-    <p:sldId id="264" r:id="rId4"/>
-    <p:sldId id="258" r:id="rId5"/>
-    <p:sldId id="259" r:id="rId6"/>
-    <p:sldId id="260" r:id="rId7"/>
-    <p:sldId id="262" r:id="rId8"/>
-    <p:sldId id="263" r:id="rId9"/>
-    <p:sldId id="257" r:id="rId10"/>
+    <p:sldId id="265" r:id="rId4"/>
+    <p:sldId id="264" r:id="rId5"/>
+    <p:sldId id="258" r:id="rId6"/>
+    <p:sldId id="259" r:id="rId7"/>
+    <p:sldId id="260" r:id="rId8"/>
+    <p:sldId id="262" r:id="rId9"/>
+    <p:sldId id="263" r:id="rId10"/>
+    <p:sldId id="257" r:id="rId11"/>
   </p:sldIdLst>
   <p:sldSz cx="12192000" cy="6858000"/>
   <p:notesSz cx="6858000" cy="9144000"/>
@@ -306,7 +307,7 @@
           <a:p>
             <a:fld id="{4AAD347D-5ACD-4C99-B74B-A9C85AD731AF}" type="datetimeFigureOut">
               <a:rPr lang="en-US" dirty="0"/>
-              <a:t>4/23/2015</a:t>
+              <a:t>5/6/2015</a:t>
             </a:fld>
             <a:endParaRPr lang="en-US" dirty="0"/>
           </a:p>
@@ -576,7 +577,7 @@
           <a:p>
             <a:fld id="{4509A250-FF31-4206-8172-F9D3106AACB1}" type="datetimeFigureOut">
               <a:rPr lang="en-US" dirty="0"/>
-              <a:t>4/23/2015</a:t>
+              <a:t>5/6/2015</a:t>
             </a:fld>
             <a:endParaRPr lang="en-US" dirty="0"/>
           </a:p>
@@ -765,7 +766,7 @@
           <a:p>
             <a:fld id="{4509A250-FF31-4206-8172-F9D3106AACB1}" type="datetimeFigureOut">
               <a:rPr lang="en-US" dirty="0"/>
-              <a:t>4/23/2015</a:t>
+              <a:t>5/6/2015</a:t>
             </a:fld>
             <a:endParaRPr lang="en-US" dirty="0"/>
           </a:p>
@@ -1031,7 +1032,7 @@
           <a:p>
             <a:fld id="{4509A250-FF31-4206-8172-F9D3106AACB1}" type="datetimeFigureOut">
               <a:rPr lang="en-US" dirty="0"/>
-              <a:t>4/23/2015</a:t>
+              <a:t>5/6/2015</a:t>
             </a:fld>
             <a:endParaRPr lang="en-US" dirty="0"/>
           </a:p>
@@ -1353,7 +1354,7 @@
           <a:p>
             <a:fld id="{4509A250-FF31-4206-8172-F9D3106AACB1}" type="datetimeFigureOut">
               <a:rPr lang="en-US" dirty="0"/>
-              <a:t>4/23/2015</a:t>
+              <a:t>5/6/2015</a:t>
             </a:fld>
             <a:endParaRPr lang="en-US" dirty="0"/>
           </a:p>
@@ -1967,7 +1968,7 @@
           <a:p>
             <a:fld id="{4509A250-FF31-4206-8172-F9D3106AACB1}" type="datetimeFigureOut">
               <a:rPr lang="en-US" dirty="0"/>
-              <a:t>4/23/2015</a:t>
+              <a:t>5/6/2015</a:t>
             </a:fld>
             <a:endParaRPr lang="en-US" dirty="0"/>
           </a:p>
@@ -2809,7 +2810,7 @@
           <a:p>
             <a:fld id="{4509A250-FF31-4206-8172-F9D3106AACB1}" type="datetimeFigureOut">
               <a:rPr lang="en-US" dirty="0"/>
-              <a:t>4/23/2015</a:t>
+              <a:t>5/6/2015</a:t>
             </a:fld>
             <a:endParaRPr lang="en-US" dirty="0"/>
           </a:p>
@@ -2974,7 +2975,7 @@
           <a:p>
             <a:fld id="{4509A250-FF31-4206-8172-F9D3106AACB1}" type="datetimeFigureOut">
               <a:rPr lang="en-US" dirty="0"/>
-              <a:t>4/23/2015</a:t>
+              <a:t>5/6/2015</a:t>
             </a:fld>
             <a:endParaRPr lang="en-US" dirty="0"/>
           </a:p>
@@ -3149,7 +3150,7 @@
           <a:p>
             <a:fld id="{4509A250-FF31-4206-8172-F9D3106AACB1}" type="datetimeFigureOut">
               <a:rPr lang="en-US" dirty="0"/>
-              <a:t>4/23/2015</a:t>
+              <a:t>5/6/2015</a:t>
             </a:fld>
             <a:endParaRPr lang="en-US" dirty="0"/>
           </a:p>
@@ -3314,7 +3315,7 @@
           <a:p>
             <a:fld id="{9796027F-7875-4030-9381-8BD8C4F21935}" type="datetimeFigureOut">
               <a:rPr lang="en-US" dirty="0"/>
-              <a:t>4/23/2015</a:t>
+              <a:t>5/6/2015</a:t>
             </a:fld>
             <a:endParaRPr lang="en-US" dirty="0"/>
           </a:p>
@@ -3556,7 +3557,7 @@
           <a:p>
             <a:fld id="{9796027F-7875-4030-9381-8BD8C4F21935}" type="datetimeFigureOut">
               <a:rPr lang="en-US" dirty="0"/>
-              <a:t>4/23/2015</a:t>
+              <a:t>5/6/2015</a:t>
             </a:fld>
             <a:endParaRPr lang="en-US" dirty="0"/>
           </a:p>
@@ -3843,7 +3844,7 @@
           <a:p>
             <a:fld id="{9796027F-7875-4030-9381-8BD8C4F21935}" type="datetimeFigureOut">
               <a:rPr lang="en-US" dirty="0"/>
-              <a:t>4/23/2015</a:t>
+              <a:t>5/6/2015</a:t>
             </a:fld>
             <a:endParaRPr lang="en-US" dirty="0"/>
           </a:p>
@@ -4282,7 +4283,7 @@
           <a:p>
             <a:fld id="{9796027F-7875-4030-9381-8BD8C4F21935}" type="datetimeFigureOut">
               <a:rPr lang="en-US" dirty="0"/>
-              <a:t>4/23/2015</a:t>
+              <a:t>5/6/2015</a:t>
             </a:fld>
             <a:endParaRPr lang="en-US" dirty="0"/>
           </a:p>
@@ -4395,7 +4396,7 @@
           <a:p>
             <a:fld id="{4509A250-FF31-4206-8172-F9D3106AACB1}" type="datetimeFigureOut">
               <a:rPr lang="en-US" dirty="0"/>
-              <a:t>4/23/2015</a:t>
+              <a:t>5/6/2015</a:t>
             </a:fld>
             <a:endParaRPr lang="en-US" dirty="0"/>
           </a:p>
@@ -4485,7 +4486,7 @@
           <a:p>
             <a:fld id="{4509A250-FF31-4206-8172-F9D3106AACB1}" type="datetimeFigureOut">
               <a:rPr lang="en-US" dirty="0"/>
-              <a:t>4/23/2015</a:t>
+              <a:t>5/6/2015</a:t>
             </a:fld>
             <a:endParaRPr lang="en-US" dirty="0"/>
           </a:p>
@@ -4759,7 +4760,7 @@
           <a:p>
             <a:fld id="{4509A250-FF31-4206-8172-F9D3106AACB1}" type="datetimeFigureOut">
               <a:rPr lang="en-US" dirty="0"/>
-              <a:t>4/23/2015</a:t>
+              <a:t>5/6/2015</a:t>
             </a:fld>
             <a:endParaRPr lang="en-US" dirty="0"/>
           </a:p>
@@ -5029,7 +5030,7 @@
           <a:p>
             <a:fld id="{4509A250-FF31-4206-8172-F9D3106AACB1}" type="datetimeFigureOut">
               <a:rPr lang="en-US" dirty="0"/>
-              <a:t>4/23/2015</a:t>
+              <a:t>5/6/2015</a:t>
             </a:fld>
             <a:endParaRPr lang="en-US" dirty="0"/>
           </a:p>
@@ -5447,7 +5448,7 @@
           <a:p>
             <a:fld id="{4AAD347D-5ACD-4C99-B74B-A9C85AD731AF}" type="datetimeFigureOut">
               <a:rPr lang="en-US" dirty="0"/>
-              <a:t>4/23/2015</a:t>
+              <a:t>5/6/2015</a:t>
             </a:fld>
             <a:endParaRPr lang="en-US" dirty="0"/>
           </a:p>
@@ -6344,6 +6345,352 @@
 </p:sld>
 </file>
 
+<file path=ppt/slides/slide10.xml><?xml version="1.0" encoding="utf-8"?>
+<p:sld xmlns:a="http://schemas.openxmlformats.org/drawingml/2006/main" xmlns:r="http://schemas.openxmlformats.org/officeDocument/2006/relationships" xmlns:p="http://schemas.openxmlformats.org/presentationml/2006/main">
+  <p:cSld>
+    <p:spTree>
+      <p:nvGrpSpPr>
+        <p:cNvPr id="1" name=""/>
+        <p:cNvGrpSpPr/>
+        <p:nvPr/>
+      </p:nvGrpSpPr>
+      <p:grpSpPr>
+        <a:xfrm>
+          <a:off x="0" y="0"/>
+          <a:ext cx="0" cy="0"/>
+          <a:chOff x="0" y="0"/>
+          <a:chExt cx="0" cy="0"/>
+        </a:xfrm>
+      </p:grpSpPr>
+      <p:sp>
+        <p:nvSpPr>
+          <p:cNvPr id="4" name="Заголовок 3"/>
+          <p:cNvSpPr>
+            <a:spLocks noGrp="1"/>
+          </p:cNvSpPr>
+          <p:nvPr>
+            <p:ph type="title"/>
+          </p:nvPr>
+        </p:nvSpPr>
+        <p:spPr>
+          <a:xfrm>
+            <a:off x="1508995" y="1392875"/>
+            <a:ext cx="3063005" cy="1400530"/>
+          </a:xfrm>
+        </p:spPr>
+        <p:txBody>
+          <a:bodyPr/>
+          <a:lstStyle/>
+          <a:p>
+            <a:r>
+              <a:rPr lang="ru-RU" dirty="0" smtClean="0"/>
+              <a:t>Спасибо</a:t>
+            </a:r>
+            <a:endParaRPr lang="ru-RU" dirty="0"/>
+          </a:p>
+        </p:txBody>
+      </p:sp>
+      <p:sp>
+        <p:nvSpPr>
+          <p:cNvPr id="5" name="Заголовок 3"/>
+          <p:cNvSpPr txBox="1">
+            <a:spLocks/>
+          </p:cNvSpPr>
+          <p:nvPr/>
+        </p:nvSpPr>
+        <p:spPr>
+          <a:xfrm>
+            <a:off x="4267200" y="1392875"/>
+            <a:ext cx="4205585" cy="1400530"/>
+          </a:xfrm>
+          <a:prstGeom prst="rect">
+            <a:avLst/>
+          </a:prstGeom>
+        </p:spPr>
+        <p:txBody>
+          <a:bodyPr vert="horz" lIns="91440" tIns="45720" rIns="91440" bIns="45720" rtlCol="0" anchor="t">
+            <a:noAutofit/>
+          </a:bodyPr>
+          <a:lstStyle>
+            <a:lvl1pPr algn="l" defTabSz="457200" rtl="0" eaLnBrk="1" latinLnBrk="0" hangingPunct="1">
+              <a:spcBef>
+                <a:spcPct val="0"/>
+              </a:spcBef>
+              <a:buNone/>
+              <a:defRPr sz="4200" b="0" i="0" kern="1200">
+                <a:solidFill>
+                  <a:schemeClr val="tx2"/>
+                </a:solidFill>
+                <a:latin typeface="+mj-lt"/>
+                <a:ea typeface="+mj-ea"/>
+                <a:cs typeface="+mj-cs"/>
+              </a:defRPr>
+            </a:lvl1pPr>
+            <a:lvl2pPr eaLnBrk="1" hangingPunct="1">
+              <a:defRPr>
+                <a:solidFill>
+                  <a:schemeClr val="tx2"/>
+                </a:solidFill>
+              </a:defRPr>
+            </a:lvl2pPr>
+            <a:lvl3pPr eaLnBrk="1" hangingPunct="1">
+              <a:defRPr>
+                <a:solidFill>
+                  <a:schemeClr val="tx2"/>
+                </a:solidFill>
+              </a:defRPr>
+            </a:lvl3pPr>
+            <a:lvl4pPr eaLnBrk="1" hangingPunct="1">
+              <a:defRPr>
+                <a:solidFill>
+                  <a:schemeClr val="tx2"/>
+                </a:solidFill>
+              </a:defRPr>
+            </a:lvl4pPr>
+            <a:lvl5pPr eaLnBrk="1" hangingPunct="1">
+              <a:defRPr>
+                <a:solidFill>
+                  <a:schemeClr val="tx2"/>
+                </a:solidFill>
+              </a:defRPr>
+            </a:lvl5pPr>
+            <a:lvl6pPr eaLnBrk="1" hangingPunct="1">
+              <a:defRPr>
+                <a:solidFill>
+                  <a:schemeClr val="tx2"/>
+                </a:solidFill>
+              </a:defRPr>
+            </a:lvl6pPr>
+            <a:lvl7pPr eaLnBrk="1" hangingPunct="1">
+              <a:defRPr>
+                <a:solidFill>
+                  <a:schemeClr val="tx2"/>
+                </a:solidFill>
+              </a:defRPr>
+            </a:lvl7pPr>
+            <a:lvl8pPr eaLnBrk="1" hangingPunct="1">
+              <a:defRPr>
+                <a:solidFill>
+                  <a:schemeClr val="tx2"/>
+                </a:solidFill>
+              </a:defRPr>
+            </a:lvl8pPr>
+            <a:lvl9pPr eaLnBrk="1" hangingPunct="1">
+              <a:defRPr>
+                <a:solidFill>
+                  <a:schemeClr val="tx2"/>
+                </a:solidFill>
+              </a:defRPr>
+            </a:lvl9pPr>
+          </a:lstStyle>
+          <a:p>
+            <a:r>
+              <a:rPr lang="ru-RU" dirty="0" smtClean="0"/>
+              <a:t>за внимание!!!</a:t>
+            </a:r>
+            <a:endParaRPr lang="ru-RU" dirty="0"/>
+          </a:p>
+        </p:txBody>
+      </p:sp>
+    </p:spTree>
+    <p:extLst>
+      <p:ext uri="{BB962C8B-B14F-4D97-AF65-F5344CB8AC3E}">
+        <p14:creationId xmlns:p14="http://schemas.microsoft.com/office/powerpoint/2010/main" val="943121687"/>
+      </p:ext>
+    </p:extLst>
+  </p:cSld>
+  <p:clrMapOvr>
+    <a:masterClrMapping/>
+  </p:clrMapOvr>
+  <p:timing>
+    <p:tnLst>
+      <p:par>
+        <p:cTn id="1" dur="indefinite" restart="never" nodeType="tmRoot">
+          <p:childTnLst>
+            <p:seq concurrent="1" nextAc="seek">
+              <p:cTn id="2" dur="indefinite" nodeType="mainSeq">
+                <p:childTnLst>
+                  <p:par>
+                    <p:cTn id="3" fill="hold">
+                      <p:stCondLst>
+                        <p:cond delay="indefinite"/>
+                      </p:stCondLst>
+                      <p:childTnLst>
+                        <p:par>
+                          <p:cTn id="4" fill="hold">
+                            <p:stCondLst>
+                              <p:cond delay="0"/>
+                            </p:stCondLst>
+                            <p:childTnLst>
+                              <p:par>
+                                <p:cTn id="5" presetID="42" presetClass="entr" presetSubtype="0" fill="hold" grpId="0" nodeType="clickEffect">
+                                  <p:stCondLst>
+                                    <p:cond delay="0"/>
+                                  </p:stCondLst>
+                                  <p:childTnLst>
+                                    <p:set>
+                                      <p:cBhvr>
+                                        <p:cTn id="6" dur="1" fill="hold">
+                                          <p:stCondLst>
+                                            <p:cond delay="0"/>
+                                          </p:stCondLst>
+                                        </p:cTn>
+                                        <p:tgtEl>
+                                          <p:spTgt spid="4"/>
+                                        </p:tgtEl>
+                                        <p:attrNameLst>
+                                          <p:attrName>style.visibility</p:attrName>
+                                        </p:attrNameLst>
+                                      </p:cBhvr>
+                                      <p:to>
+                                        <p:strVal val="visible"/>
+                                      </p:to>
+                                    </p:set>
+                                    <p:animEffect transition="in" filter="fade">
+                                      <p:cBhvr>
+                                        <p:cTn id="7" dur="1000"/>
+                                        <p:tgtEl>
+                                          <p:spTgt spid="4"/>
+                                        </p:tgtEl>
+                                      </p:cBhvr>
+                                    </p:animEffect>
+                                    <p:anim calcmode="lin" valueType="num">
+                                      <p:cBhvr>
+                                        <p:cTn id="8" dur="1000" fill="hold"/>
+                                        <p:tgtEl>
+                                          <p:spTgt spid="4"/>
+                                        </p:tgtEl>
+                                        <p:attrNameLst>
+                                          <p:attrName>ppt_x</p:attrName>
+                                        </p:attrNameLst>
+                                      </p:cBhvr>
+                                      <p:tavLst>
+                                        <p:tav tm="0">
+                                          <p:val>
+                                            <p:strVal val="#ppt_x"/>
+                                          </p:val>
+                                        </p:tav>
+                                        <p:tav tm="100000">
+                                          <p:val>
+                                            <p:strVal val="#ppt_x"/>
+                                          </p:val>
+                                        </p:tav>
+                                      </p:tavLst>
+                                    </p:anim>
+                                    <p:anim calcmode="lin" valueType="num">
+                                      <p:cBhvr>
+                                        <p:cTn id="9" dur="1000" fill="hold"/>
+                                        <p:tgtEl>
+                                          <p:spTgt spid="4"/>
+                                        </p:tgtEl>
+                                        <p:attrNameLst>
+                                          <p:attrName>ppt_y</p:attrName>
+                                        </p:attrNameLst>
+                                      </p:cBhvr>
+                                      <p:tavLst>
+                                        <p:tav tm="0">
+                                          <p:val>
+                                            <p:strVal val="#ppt_y+.1"/>
+                                          </p:val>
+                                        </p:tav>
+                                        <p:tav tm="100000">
+                                          <p:val>
+                                            <p:strVal val="#ppt_y"/>
+                                          </p:val>
+                                        </p:tav>
+                                      </p:tavLst>
+                                    </p:anim>
+                                  </p:childTnLst>
+                                </p:cTn>
+                              </p:par>
+                            </p:childTnLst>
+                          </p:cTn>
+                        </p:par>
+                      </p:childTnLst>
+                    </p:cTn>
+                  </p:par>
+                  <p:par>
+                    <p:cTn id="10" fill="hold">
+                      <p:stCondLst>
+                        <p:cond delay="indefinite"/>
+                      </p:stCondLst>
+                      <p:childTnLst>
+                        <p:par>
+                          <p:cTn id="11" fill="hold">
+                            <p:stCondLst>
+                              <p:cond delay="0"/>
+                            </p:stCondLst>
+                            <p:childTnLst>
+                              <p:par>
+                                <p:cTn id="12" presetID="22" presetClass="entr" presetSubtype="4" fill="hold" grpId="0" nodeType="clickEffect">
+                                  <p:stCondLst>
+                                    <p:cond delay="0"/>
+                                  </p:stCondLst>
+                                  <p:childTnLst>
+                                    <p:set>
+                                      <p:cBhvr>
+                                        <p:cTn id="13" dur="1" fill="hold">
+                                          <p:stCondLst>
+                                            <p:cond delay="0"/>
+                                          </p:stCondLst>
+                                        </p:cTn>
+                                        <p:tgtEl>
+                                          <p:spTgt spid="5"/>
+                                        </p:tgtEl>
+                                        <p:attrNameLst>
+                                          <p:attrName>style.visibility</p:attrName>
+                                        </p:attrNameLst>
+                                      </p:cBhvr>
+                                      <p:to>
+                                        <p:strVal val="visible"/>
+                                      </p:to>
+                                    </p:set>
+                                    <p:animEffect transition="in" filter="wipe(down)">
+                                      <p:cBhvr>
+                                        <p:cTn id="14" dur="500"/>
+                                        <p:tgtEl>
+                                          <p:spTgt spid="5"/>
+                                        </p:tgtEl>
+                                      </p:cBhvr>
+                                    </p:animEffect>
+                                  </p:childTnLst>
+                                </p:cTn>
+                              </p:par>
+                            </p:childTnLst>
+                          </p:cTn>
+                        </p:par>
+                      </p:childTnLst>
+                    </p:cTn>
+                  </p:par>
+                </p:childTnLst>
+              </p:cTn>
+              <p:prevCondLst>
+                <p:cond evt="onPrev" delay="0">
+                  <p:tgtEl>
+                    <p:sldTgt/>
+                  </p:tgtEl>
+                </p:cond>
+              </p:prevCondLst>
+              <p:nextCondLst>
+                <p:cond evt="onNext" delay="0">
+                  <p:tgtEl>
+                    <p:sldTgt/>
+                  </p:tgtEl>
+                </p:cond>
+              </p:nextCondLst>
+            </p:seq>
+          </p:childTnLst>
+        </p:cTn>
+      </p:par>
+    </p:tnLst>
+    <p:bldLst>
+      <p:bldP spid="4" grpId="0"/>
+      <p:bldP spid="5" grpId="0"/>
+    </p:bldLst>
+  </p:timing>
+</p:sld>
+</file>
+
 <file path=ppt/slides/slide2.xml><?xml version="1.0" encoding="utf-8"?>
 <p:sld xmlns:a="http://schemas.openxmlformats.org/drawingml/2006/main" xmlns:r="http://schemas.openxmlformats.org/officeDocument/2006/relationships" xmlns:p="http://schemas.openxmlformats.org/presentationml/2006/main">
   <p:cSld>
@@ -6382,6 +6729,7 @@
           </a:bodyPr>
           <a:lstStyle/>
           <a:p>
+            <a:pPr algn="just"/>
             <a:r>
               <a:rPr lang="ru-RU" sz="2400" b="1" dirty="0"/>
               <a:t>Объектом исследования </a:t>
@@ -6397,9 +6745,11 @@
             <a:endParaRPr lang="en-US" sz="2400" dirty="0" smtClean="0"/>
           </a:p>
           <a:p>
+            <a:pPr algn="just"/>
             <a:endParaRPr lang="ru-RU" sz="2400" dirty="0"/>
           </a:p>
           <a:p>
+            <a:pPr algn="just"/>
             <a:r>
               <a:rPr lang="ru-RU" sz="2400" b="1" dirty="0"/>
               <a:t>Предметом исследования:</a:t>
@@ -6415,9 +6765,11 @@
             <a:endParaRPr lang="en-US" sz="2400" dirty="0" smtClean="0"/>
           </a:p>
           <a:p>
+            <a:pPr algn="just"/>
             <a:endParaRPr lang="ru-RU" sz="2400" dirty="0"/>
           </a:p>
           <a:p>
+            <a:pPr algn="just"/>
             <a:r>
               <a:rPr lang="ru-RU" sz="2400" b="1" dirty="0"/>
               <a:t>Цель исследования:</a:t>
@@ -6679,6 +7031,299 @@
       </p:grpSpPr>
       <p:sp>
         <p:nvSpPr>
+          <p:cNvPr id="4" name="Прямоугольник 3"/>
+          <p:cNvSpPr/>
+          <p:nvPr/>
+        </p:nvSpPr>
+        <p:spPr>
+          <a:xfrm>
+            <a:off x="1043188" y="2237221"/>
+            <a:ext cx="9556124" cy="3046988"/>
+          </a:xfrm>
+          <a:prstGeom prst="rect">
+            <a:avLst/>
+          </a:prstGeom>
+        </p:spPr>
+        <p:txBody>
+          <a:bodyPr wrap="square">
+            <a:spAutoFit/>
+          </a:bodyPr>
+          <a:lstStyle/>
+          <a:p>
+            <a:pPr algn="just"/>
+            <a:r>
+              <a:rPr lang="ru-RU" sz="2400" dirty="0"/>
+              <a:t>Была поставлена </a:t>
+            </a:r>
+            <a:r>
+              <a:rPr lang="ru-RU" sz="2400" b="1" dirty="0"/>
+              <a:t>задача</a:t>
+            </a:r>
+            <a:r>
+              <a:rPr lang="ru-RU" sz="2400" dirty="0"/>
+              <a:t> разработать приложение для международного отдела университета, позволяющее вести учет студентов из числа иностранных граждан. Функционал приложения должен включать возможно аутентифицированного доступа, составления списка студентов по специальностям, по странам, подсчет статистики, фильтрацию и сортировку данных, экспорт выбранных данных в </a:t>
+            </a:r>
+            <a:r>
+              <a:rPr lang="en-US" sz="2400" dirty="0"/>
+              <a:t>Microsoft Excel</a:t>
+            </a:r>
+            <a:r>
+              <a:rPr lang="ru-RU" sz="2400" dirty="0"/>
+              <a:t>.</a:t>
+            </a:r>
+            <a:endParaRPr lang="ru-RU" sz="2400" dirty="0">
+              <a:effectLst/>
+              <a:latin typeface="Times New Roman" panose="02020603050405020304" pitchFamily="18" charset="0"/>
+              <a:ea typeface="Times New Roman" panose="02020603050405020304" pitchFamily="18" charset="0"/>
+            </a:endParaRPr>
+          </a:p>
+        </p:txBody>
+      </p:sp>
+    </p:spTree>
+    <p:extLst>
+      <p:ext uri="{BB962C8B-B14F-4D97-AF65-F5344CB8AC3E}">
+        <p14:creationId xmlns:p14="http://schemas.microsoft.com/office/powerpoint/2010/main" val="4163078512"/>
+      </p:ext>
+    </p:extLst>
+  </p:cSld>
+  <p:clrMapOvr>
+    <a:masterClrMapping/>
+  </p:clrMapOvr>
+  <p:timing>
+    <p:tnLst>
+      <p:par>
+        <p:cTn id="1" dur="indefinite" restart="never" nodeType="tmRoot">
+          <p:childTnLst>
+            <p:seq concurrent="1" nextAc="seek">
+              <p:cTn id="2" dur="indefinite" nodeType="mainSeq">
+                <p:childTnLst>
+                  <p:par>
+                    <p:cTn id="3" fill="hold">
+                      <p:stCondLst>
+                        <p:cond delay="indefinite"/>
+                      </p:stCondLst>
+                      <p:childTnLst>
+                        <p:par>
+                          <p:cTn id="4" fill="hold">
+                            <p:stCondLst>
+                              <p:cond delay="0"/>
+                            </p:stCondLst>
+                            <p:childTnLst>
+                              <p:par>
+                                <p:cTn id="5" presetID="22" presetClass="entr" presetSubtype="4" fill="hold" grpId="0" nodeType="clickEffect">
+                                  <p:stCondLst>
+                                    <p:cond delay="0"/>
+                                  </p:stCondLst>
+                                  <p:childTnLst>
+                                    <p:set>
+                                      <p:cBhvr>
+                                        <p:cTn id="6" dur="1" fill="hold">
+                                          <p:stCondLst>
+                                            <p:cond delay="0"/>
+                                          </p:stCondLst>
+                                        </p:cTn>
+                                        <p:tgtEl>
+                                          <p:spTgt spid="4"/>
+                                        </p:tgtEl>
+                                        <p:attrNameLst>
+                                          <p:attrName>style.visibility</p:attrName>
+                                        </p:attrNameLst>
+                                      </p:cBhvr>
+                                      <p:to>
+                                        <p:strVal val="visible"/>
+                                      </p:to>
+                                    </p:set>
+                                    <p:animEffect transition="in" filter="wipe(down)">
+                                      <p:cBhvr>
+                                        <p:cTn id="7" dur="500"/>
+                                        <p:tgtEl>
+                                          <p:spTgt spid="4"/>
+                                        </p:tgtEl>
+                                      </p:cBhvr>
+                                    </p:animEffect>
+                                  </p:childTnLst>
+                                </p:cTn>
+                              </p:par>
+                            </p:childTnLst>
+                          </p:cTn>
+                        </p:par>
+                      </p:childTnLst>
+                    </p:cTn>
+                  </p:par>
+                  <p:par>
+                    <p:cTn id="8" fill="hold">
+                      <p:stCondLst>
+                        <p:cond delay="indefinite"/>
+                      </p:stCondLst>
+                      <p:childTnLst>
+                        <p:par>
+                          <p:cTn id="9" fill="hold">
+                            <p:stCondLst>
+                              <p:cond delay="0"/>
+                            </p:stCondLst>
+                            <p:childTnLst>
+                              <p:par>
+                                <p:cTn id="10" presetID="37" presetClass="exit" presetSubtype="0" fill="hold" grpId="1" nodeType="clickEffect">
+                                  <p:stCondLst>
+                                    <p:cond delay="0"/>
+                                  </p:stCondLst>
+                                  <p:childTnLst>
+                                    <p:animEffect transition="out" filter="fade">
+                                      <p:cBhvr>
+                                        <p:cTn id="11" dur="1000"/>
+                                        <p:tgtEl>
+                                          <p:spTgt spid="4"/>
+                                        </p:tgtEl>
+                                      </p:cBhvr>
+                                    </p:animEffect>
+                                    <p:anim calcmode="lin" valueType="num">
+                                      <p:cBhvr>
+                                        <p:cTn id="12" dur="1000"/>
+                                        <p:tgtEl>
+                                          <p:spTgt spid="4"/>
+                                        </p:tgtEl>
+                                        <p:attrNameLst>
+                                          <p:attrName>ppt_x</p:attrName>
+                                        </p:attrNameLst>
+                                      </p:cBhvr>
+                                      <p:tavLst>
+                                        <p:tav tm="0">
+                                          <p:val>
+                                            <p:strVal val="ppt_x"/>
+                                          </p:val>
+                                        </p:tav>
+                                        <p:tav tm="100000">
+                                          <p:val>
+                                            <p:strVal val="ppt_x"/>
+                                          </p:val>
+                                        </p:tav>
+                                      </p:tavLst>
+                                    </p:anim>
+                                    <p:anim calcmode="lin" valueType="num">
+                                      <p:cBhvr>
+                                        <p:cTn id="13" dur="100" decel="100000"/>
+                                        <p:tgtEl>
+                                          <p:spTgt spid="4"/>
+                                        </p:tgtEl>
+                                        <p:attrNameLst>
+                                          <p:attrName>ppt_y</p:attrName>
+                                        </p:attrNameLst>
+                                      </p:cBhvr>
+                                      <p:tavLst>
+                                        <p:tav tm="0">
+                                          <p:val>
+                                            <p:strVal val="ppt_y"/>
+                                          </p:val>
+                                        </p:tav>
+                                        <p:tav tm="100000">
+                                          <p:val>
+                                            <p:strVal val="ppt_y-.03"/>
+                                          </p:val>
+                                        </p:tav>
+                                      </p:tavLst>
+                                    </p:anim>
+                                    <p:anim calcmode="lin" valueType="num">
+                                      <p:cBhvr>
+                                        <p:cTn id="14" dur="900" accel="100000">
+                                          <p:stCondLst>
+                                            <p:cond delay="100"/>
+                                          </p:stCondLst>
+                                        </p:cTn>
+                                        <p:tgtEl>
+                                          <p:spTgt spid="4"/>
+                                        </p:tgtEl>
+                                        <p:attrNameLst>
+                                          <p:attrName>ppt_y</p:attrName>
+                                        </p:attrNameLst>
+                                      </p:cBhvr>
+                                      <p:tavLst>
+                                        <p:tav tm="0">
+                                          <p:val>
+                                            <p:strVal val="ppt_y"/>
+                                          </p:val>
+                                        </p:tav>
+                                        <p:tav tm="100000">
+                                          <p:val>
+                                            <p:strVal val="ppt_y+1"/>
+                                          </p:val>
+                                        </p:tav>
+                                      </p:tavLst>
+                                    </p:anim>
+                                    <p:set>
+                                      <p:cBhvr>
+                                        <p:cTn id="15" dur="1" fill="hold">
+                                          <p:stCondLst>
+                                            <p:cond delay="999"/>
+                                          </p:stCondLst>
+                                        </p:cTn>
+                                        <p:tgtEl>
+                                          <p:spTgt spid="4"/>
+                                        </p:tgtEl>
+                                        <p:attrNameLst>
+                                          <p:attrName>style.visibility</p:attrName>
+                                        </p:attrNameLst>
+                                      </p:cBhvr>
+                                      <p:to>
+                                        <p:strVal val="hidden"/>
+                                      </p:to>
+                                    </p:set>
+                                  </p:childTnLst>
+                                </p:cTn>
+                              </p:par>
+                            </p:childTnLst>
+                          </p:cTn>
+                        </p:par>
+                      </p:childTnLst>
+                    </p:cTn>
+                  </p:par>
+                </p:childTnLst>
+              </p:cTn>
+              <p:prevCondLst>
+                <p:cond evt="onPrev" delay="0">
+                  <p:tgtEl>
+                    <p:sldTgt/>
+                  </p:tgtEl>
+                </p:cond>
+              </p:prevCondLst>
+              <p:nextCondLst>
+                <p:cond evt="onNext" delay="0">
+                  <p:tgtEl>
+                    <p:sldTgt/>
+                  </p:tgtEl>
+                </p:cond>
+              </p:nextCondLst>
+            </p:seq>
+          </p:childTnLst>
+        </p:cTn>
+      </p:par>
+    </p:tnLst>
+    <p:bldLst>
+      <p:bldP spid="4" grpId="0"/>
+      <p:bldP spid="4" grpId="1"/>
+    </p:bldLst>
+  </p:timing>
+</p:sld>
+</file>
+
+<file path=ppt/slides/slide4.xml><?xml version="1.0" encoding="utf-8"?>
+<p:sld xmlns:a="http://schemas.openxmlformats.org/drawingml/2006/main" xmlns:r="http://schemas.openxmlformats.org/officeDocument/2006/relationships" xmlns:p="http://schemas.openxmlformats.org/presentationml/2006/main">
+  <p:cSld>
+    <p:spTree>
+      <p:nvGrpSpPr>
+        <p:cNvPr id="1" name=""/>
+        <p:cNvGrpSpPr/>
+        <p:nvPr/>
+      </p:nvGrpSpPr>
+      <p:grpSpPr>
+        <a:xfrm>
+          <a:off x="0" y="0"/>
+          <a:ext cx="0" cy="0"/>
+          <a:chOff x="0" y="0"/>
+          <a:chExt cx="0" cy="0"/>
+        </a:xfrm>
+      </p:grpSpPr>
+      <p:sp>
+        <p:nvSpPr>
           <p:cNvPr id="4" name="Rectangle 3"/>
           <p:cNvSpPr/>
           <p:nvPr/>
@@ -6882,7 +7527,7 @@
 </p:sld>
 </file>
 
-<file path=ppt/slides/slide4.xml><?xml version="1.0" encoding="utf-8"?>
+<file path=ppt/slides/slide5.xml><?xml version="1.0" encoding="utf-8"?>
 <p:sld xmlns:a="http://schemas.openxmlformats.org/drawingml/2006/main" xmlns:r="http://schemas.openxmlformats.org/officeDocument/2006/relationships" xmlns:p="http://schemas.openxmlformats.org/presentationml/2006/main">
   <p:cSld>
     <p:spTree>
@@ -7074,7 +7719,7 @@
 </p:sld>
 </file>
 
-<file path=ppt/slides/slide5.xml><?xml version="1.0" encoding="utf-8"?>
+<file path=ppt/slides/slide6.xml><?xml version="1.0" encoding="utf-8"?>
 <p:sld xmlns:a="http://schemas.openxmlformats.org/drawingml/2006/main" xmlns:r="http://schemas.openxmlformats.org/officeDocument/2006/relationships" xmlns:p="http://schemas.openxmlformats.org/presentationml/2006/main">
   <p:cSld>
     <p:spTree>
@@ -7263,7 +7908,7 @@
 </p:sld>
 </file>
 
-<file path=ppt/slides/slide6.xml><?xml version="1.0" encoding="utf-8"?>
+<file path=ppt/slides/slide7.xml><?xml version="1.0" encoding="utf-8"?>
 <p:sld xmlns:a="http://schemas.openxmlformats.org/drawingml/2006/main" xmlns:r="http://schemas.openxmlformats.org/officeDocument/2006/relationships" xmlns:p="http://schemas.openxmlformats.org/presentationml/2006/main">
   <p:cSld>
     <p:spTree>
@@ -7406,7 +8051,7 @@
 </p:sld>
 </file>
 
-<file path=ppt/slides/slide7.xml><?xml version="1.0" encoding="utf-8"?>
+<file path=ppt/slides/slide8.xml><?xml version="1.0" encoding="utf-8"?>
 <p:sld xmlns:a="http://schemas.openxmlformats.org/drawingml/2006/main" xmlns:r="http://schemas.openxmlformats.org/officeDocument/2006/relationships" xmlns:p="http://schemas.openxmlformats.org/presentationml/2006/main">
   <p:cSld>
     <p:spTree>
@@ -7549,7 +8194,7 @@
 </p:sld>
 </file>
 
-<file path=ppt/slides/slide8.xml><?xml version="1.0" encoding="utf-8"?>
+<file path=ppt/slides/slide9.xml><?xml version="1.0" encoding="utf-8"?>
 <p:sld xmlns:a="http://schemas.openxmlformats.org/drawingml/2006/main" xmlns:r="http://schemas.openxmlformats.org/officeDocument/2006/relationships" xmlns:p="http://schemas.openxmlformats.org/presentationml/2006/main">
   <p:cSld>
     <p:spTree>
@@ -7734,352 +8379,6 @@
         </p:cTn>
       </p:par>
     </p:tnLst>
-  </p:timing>
-</p:sld>
-</file>
-
-<file path=ppt/slides/slide9.xml><?xml version="1.0" encoding="utf-8"?>
-<p:sld xmlns:a="http://schemas.openxmlformats.org/drawingml/2006/main" xmlns:r="http://schemas.openxmlformats.org/officeDocument/2006/relationships" xmlns:p="http://schemas.openxmlformats.org/presentationml/2006/main">
-  <p:cSld>
-    <p:spTree>
-      <p:nvGrpSpPr>
-        <p:cNvPr id="1" name=""/>
-        <p:cNvGrpSpPr/>
-        <p:nvPr/>
-      </p:nvGrpSpPr>
-      <p:grpSpPr>
-        <a:xfrm>
-          <a:off x="0" y="0"/>
-          <a:ext cx="0" cy="0"/>
-          <a:chOff x="0" y="0"/>
-          <a:chExt cx="0" cy="0"/>
-        </a:xfrm>
-      </p:grpSpPr>
-      <p:sp>
-        <p:nvSpPr>
-          <p:cNvPr id="4" name="Заголовок 3"/>
-          <p:cNvSpPr>
-            <a:spLocks noGrp="1"/>
-          </p:cNvSpPr>
-          <p:nvPr>
-            <p:ph type="title"/>
-          </p:nvPr>
-        </p:nvSpPr>
-        <p:spPr>
-          <a:xfrm>
-            <a:off x="1508995" y="1392875"/>
-            <a:ext cx="3063005" cy="1400530"/>
-          </a:xfrm>
-        </p:spPr>
-        <p:txBody>
-          <a:bodyPr/>
-          <a:lstStyle/>
-          <a:p>
-            <a:r>
-              <a:rPr lang="ru-RU" dirty="0" smtClean="0"/>
-              <a:t>Спасибо</a:t>
-            </a:r>
-            <a:endParaRPr lang="ru-RU" dirty="0"/>
-          </a:p>
-        </p:txBody>
-      </p:sp>
-      <p:sp>
-        <p:nvSpPr>
-          <p:cNvPr id="5" name="Заголовок 3"/>
-          <p:cNvSpPr txBox="1">
-            <a:spLocks/>
-          </p:cNvSpPr>
-          <p:nvPr/>
-        </p:nvSpPr>
-        <p:spPr>
-          <a:xfrm>
-            <a:off x="4267200" y="1392875"/>
-            <a:ext cx="4205585" cy="1400530"/>
-          </a:xfrm>
-          <a:prstGeom prst="rect">
-            <a:avLst/>
-          </a:prstGeom>
-        </p:spPr>
-        <p:txBody>
-          <a:bodyPr vert="horz" lIns="91440" tIns="45720" rIns="91440" bIns="45720" rtlCol="0" anchor="t">
-            <a:noAutofit/>
-          </a:bodyPr>
-          <a:lstStyle>
-            <a:lvl1pPr algn="l" defTabSz="457200" rtl="0" eaLnBrk="1" latinLnBrk="0" hangingPunct="1">
-              <a:spcBef>
-                <a:spcPct val="0"/>
-              </a:spcBef>
-              <a:buNone/>
-              <a:defRPr sz="4200" b="0" i="0" kern="1200">
-                <a:solidFill>
-                  <a:schemeClr val="tx2"/>
-                </a:solidFill>
-                <a:latin typeface="+mj-lt"/>
-                <a:ea typeface="+mj-ea"/>
-                <a:cs typeface="+mj-cs"/>
-              </a:defRPr>
-            </a:lvl1pPr>
-            <a:lvl2pPr eaLnBrk="1" hangingPunct="1">
-              <a:defRPr>
-                <a:solidFill>
-                  <a:schemeClr val="tx2"/>
-                </a:solidFill>
-              </a:defRPr>
-            </a:lvl2pPr>
-            <a:lvl3pPr eaLnBrk="1" hangingPunct="1">
-              <a:defRPr>
-                <a:solidFill>
-                  <a:schemeClr val="tx2"/>
-                </a:solidFill>
-              </a:defRPr>
-            </a:lvl3pPr>
-            <a:lvl4pPr eaLnBrk="1" hangingPunct="1">
-              <a:defRPr>
-                <a:solidFill>
-                  <a:schemeClr val="tx2"/>
-                </a:solidFill>
-              </a:defRPr>
-            </a:lvl4pPr>
-            <a:lvl5pPr eaLnBrk="1" hangingPunct="1">
-              <a:defRPr>
-                <a:solidFill>
-                  <a:schemeClr val="tx2"/>
-                </a:solidFill>
-              </a:defRPr>
-            </a:lvl5pPr>
-            <a:lvl6pPr eaLnBrk="1" hangingPunct="1">
-              <a:defRPr>
-                <a:solidFill>
-                  <a:schemeClr val="tx2"/>
-                </a:solidFill>
-              </a:defRPr>
-            </a:lvl6pPr>
-            <a:lvl7pPr eaLnBrk="1" hangingPunct="1">
-              <a:defRPr>
-                <a:solidFill>
-                  <a:schemeClr val="tx2"/>
-                </a:solidFill>
-              </a:defRPr>
-            </a:lvl7pPr>
-            <a:lvl8pPr eaLnBrk="1" hangingPunct="1">
-              <a:defRPr>
-                <a:solidFill>
-                  <a:schemeClr val="tx2"/>
-                </a:solidFill>
-              </a:defRPr>
-            </a:lvl8pPr>
-            <a:lvl9pPr eaLnBrk="1" hangingPunct="1">
-              <a:defRPr>
-                <a:solidFill>
-                  <a:schemeClr val="tx2"/>
-                </a:solidFill>
-              </a:defRPr>
-            </a:lvl9pPr>
-          </a:lstStyle>
-          <a:p>
-            <a:r>
-              <a:rPr lang="ru-RU" dirty="0" smtClean="0"/>
-              <a:t>за внимание!!!</a:t>
-            </a:r>
-            <a:endParaRPr lang="ru-RU" dirty="0"/>
-          </a:p>
-        </p:txBody>
-      </p:sp>
-    </p:spTree>
-    <p:extLst>
-      <p:ext uri="{BB962C8B-B14F-4D97-AF65-F5344CB8AC3E}">
-        <p14:creationId xmlns:p14="http://schemas.microsoft.com/office/powerpoint/2010/main" val="943121687"/>
-      </p:ext>
-    </p:extLst>
-  </p:cSld>
-  <p:clrMapOvr>
-    <a:masterClrMapping/>
-  </p:clrMapOvr>
-  <p:timing>
-    <p:tnLst>
-      <p:par>
-        <p:cTn id="1" dur="indefinite" restart="never" nodeType="tmRoot">
-          <p:childTnLst>
-            <p:seq concurrent="1" nextAc="seek">
-              <p:cTn id="2" dur="indefinite" nodeType="mainSeq">
-                <p:childTnLst>
-                  <p:par>
-                    <p:cTn id="3" fill="hold">
-                      <p:stCondLst>
-                        <p:cond delay="indefinite"/>
-                      </p:stCondLst>
-                      <p:childTnLst>
-                        <p:par>
-                          <p:cTn id="4" fill="hold">
-                            <p:stCondLst>
-                              <p:cond delay="0"/>
-                            </p:stCondLst>
-                            <p:childTnLst>
-                              <p:par>
-                                <p:cTn id="5" presetID="42" presetClass="entr" presetSubtype="0" fill="hold" grpId="0" nodeType="clickEffect">
-                                  <p:stCondLst>
-                                    <p:cond delay="0"/>
-                                  </p:stCondLst>
-                                  <p:childTnLst>
-                                    <p:set>
-                                      <p:cBhvr>
-                                        <p:cTn id="6" dur="1" fill="hold">
-                                          <p:stCondLst>
-                                            <p:cond delay="0"/>
-                                          </p:stCondLst>
-                                        </p:cTn>
-                                        <p:tgtEl>
-                                          <p:spTgt spid="4"/>
-                                        </p:tgtEl>
-                                        <p:attrNameLst>
-                                          <p:attrName>style.visibility</p:attrName>
-                                        </p:attrNameLst>
-                                      </p:cBhvr>
-                                      <p:to>
-                                        <p:strVal val="visible"/>
-                                      </p:to>
-                                    </p:set>
-                                    <p:animEffect transition="in" filter="fade">
-                                      <p:cBhvr>
-                                        <p:cTn id="7" dur="1000"/>
-                                        <p:tgtEl>
-                                          <p:spTgt spid="4"/>
-                                        </p:tgtEl>
-                                      </p:cBhvr>
-                                    </p:animEffect>
-                                    <p:anim calcmode="lin" valueType="num">
-                                      <p:cBhvr>
-                                        <p:cTn id="8" dur="1000" fill="hold"/>
-                                        <p:tgtEl>
-                                          <p:spTgt spid="4"/>
-                                        </p:tgtEl>
-                                        <p:attrNameLst>
-                                          <p:attrName>ppt_x</p:attrName>
-                                        </p:attrNameLst>
-                                      </p:cBhvr>
-                                      <p:tavLst>
-                                        <p:tav tm="0">
-                                          <p:val>
-                                            <p:strVal val="#ppt_x"/>
-                                          </p:val>
-                                        </p:tav>
-                                        <p:tav tm="100000">
-                                          <p:val>
-                                            <p:strVal val="#ppt_x"/>
-                                          </p:val>
-                                        </p:tav>
-                                      </p:tavLst>
-                                    </p:anim>
-                                    <p:anim calcmode="lin" valueType="num">
-                                      <p:cBhvr>
-                                        <p:cTn id="9" dur="1000" fill="hold"/>
-                                        <p:tgtEl>
-                                          <p:spTgt spid="4"/>
-                                        </p:tgtEl>
-                                        <p:attrNameLst>
-                                          <p:attrName>ppt_y</p:attrName>
-                                        </p:attrNameLst>
-                                      </p:cBhvr>
-                                      <p:tavLst>
-                                        <p:tav tm="0">
-                                          <p:val>
-                                            <p:strVal val="#ppt_y+.1"/>
-                                          </p:val>
-                                        </p:tav>
-                                        <p:tav tm="100000">
-                                          <p:val>
-                                            <p:strVal val="#ppt_y"/>
-                                          </p:val>
-                                        </p:tav>
-                                      </p:tavLst>
-                                    </p:anim>
-                                  </p:childTnLst>
-                                </p:cTn>
-                              </p:par>
-                            </p:childTnLst>
-                          </p:cTn>
-                        </p:par>
-                      </p:childTnLst>
-                    </p:cTn>
-                  </p:par>
-                  <p:par>
-                    <p:cTn id="10" fill="hold">
-                      <p:stCondLst>
-                        <p:cond delay="indefinite"/>
-                      </p:stCondLst>
-                      <p:childTnLst>
-                        <p:par>
-                          <p:cTn id="11" fill="hold">
-                            <p:stCondLst>
-                              <p:cond delay="0"/>
-                            </p:stCondLst>
-                            <p:childTnLst>
-                              <p:par>
-                                <p:cTn id="12" presetID="22" presetClass="entr" presetSubtype="4" fill="hold" grpId="0" nodeType="clickEffect">
-                                  <p:stCondLst>
-                                    <p:cond delay="0"/>
-                                  </p:stCondLst>
-                                  <p:childTnLst>
-                                    <p:set>
-                                      <p:cBhvr>
-                                        <p:cTn id="13" dur="1" fill="hold">
-                                          <p:stCondLst>
-                                            <p:cond delay="0"/>
-                                          </p:stCondLst>
-                                        </p:cTn>
-                                        <p:tgtEl>
-                                          <p:spTgt spid="5"/>
-                                        </p:tgtEl>
-                                        <p:attrNameLst>
-                                          <p:attrName>style.visibility</p:attrName>
-                                        </p:attrNameLst>
-                                      </p:cBhvr>
-                                      <p:to>
-                                        <p:strVal val="visible"/>
-                                      </p:to>
-                                    </p:set>
-                                    <p:animEffect transition="in" filter="wipe(down)">
-                                      <p:cBhvr>
-                                        <p:cTn id="14" dur="500"/>
-                                        <p:tgtEl>
-                                          <p:spTgt spid="5"/>
-                                        </p:tgtEl>
-                                      </p:cBhvr>
-                                    </p:animEffect>
-                                  </p:childTnLst>
-                                </p:cTn>
-                              </p:par>
-                            </p:childTnLst>
-                          </p:cTn>
-                        </p:par>
-                      </p:childTnLst>
-                    </p:cTn>
-                  </p:par>
-                </p:childTnLst>
-              </p:cTn>
-              <p:prevCondLst>
-                <p:cond evt="onPrev" delay="0">
-                  <p:tgtEl>
-                    <p:sldTgt/>
-                  </p:tgtEl>
-                </p:cond>
-              </p:prevCondLst>
-              <p:nextCondLst>
-                <p:cond evt="onNext" delay="0">
-                  <p:tgtEl>
-                    <p:sldTgt/>
-                  </p:tgtEl>
-                </p:cond>
-              </p:nextCondLst>
-            </p:seq>
-          </p:childTnLst>
-        </p:cTn>
-      </p:par>
-    </p:tnLst>
-    <p:bldLst>
-      <p:bldP spid="4" grpId="0"/>
-      <p:bldP spid="5" grpId="0"/>
-    </p:bldLst>
   </p:timing>
 </p:sld>
 </file>
